--- a/평가함수 설정.pptx
+++ b/평가함수 설정.pptx
@@ -7,6 +7,9 @@
   <p:sldIdLst>
     <p:sldId id="256" r:id="rId2"/>
     <p:sldId id="257" r:id="rId3"/>
+    <p:sldId id="258" r:id="rId4"/>
+    <p:sldId id="259" r:id="rId5"/>
+    <p:sldId id="260" r:id="rId6"/>
   </p:sldIdLst>
   <p:sldSz cx="12192000" cy="6858000"/>
   <p:notesSz cx="6858000" cy="9144000"/>
@@ -105,6 +108,11 @@
       </a:defRPr>
     </a:lvl9pPr>
   </p:defaultTextStyle>
+  <p:extLst>
+    <p:ext uri="{EFAFB233-063F-42B5-8137-9DF3F51BA10A}">
+      <p15:sldGuideLst xmlns:p15="http://schemas.microsoft.com/office/powerpoint/2012/main"/>
+    </p:ext>
+  </p:extLst>
 </p:presentation>
 </file>
 
@@ -255,7 +263,7 @@
           <a:p>
             <a:fld id="{92F00D2A-9060-4029-9E8E-73524DBEAC72}" type="datetimeFigureOut">
               <a:rPr lang="ko-KR" altLang="en-US" smtClean="0"/>
-              <a:t>2019-05-20</a:t>
+              <a:t>2019-05-28</a:t>
             </a:fld>
             <a:endParaRPr lang="ko-KR" altLang="en-US"/>
           </a:p>
@@ -453,7 +461,7 @@
           <a:p>
             <a:fld id="{92F00D2A-9060-4029-9E8E-73524DBEAC72}" type="datetimeFigureOut">
               <a:rPr lang="ko-KR" altLang="en-US" smtClean="0"/>
-              <a:t>2019-05-20</a:t>
+              <a:t>2019-05-28</a:t>
             </a:fld>
             <a:endParaRPr lang="ko-KR" altLang="en-US"/>
           </a:p>
@@ -661,7 +669,7 @@
           <a:p>
             <a:fld id="{92F00D2A-9060-4029-9E8E-73524DBEAC72}" type="datetimeFigureOut">
               <a:rPr lang="ko-KR" altLang="en-US" smtClean="0"/>
-              <a:t>2019-05-20</a:t>
+              <a:t>2019-05-28</a:t>
             </a:fld>
             <a:endParaRPr lang="ko-KR" altLang="en-US"/>
           </a:p>
@@ -859,7 +867,7 @@
           <a:p>
             <a:fld id="{92F00D2A-9060-4029-9E8E-73524DBEAC72}" type="datetimeFigureOut">
               <a:rPr lang="ko-KR" altLang="en-US" smtClean="0"/>
-              <a:t>2019-05-20</a:t>
+              <a:t>2019-05-28</a:t>
             </a:fld>
             <a:endParaRPr lang="ko-KR" altLang="en-US"/>
           </a:p>
@@ -1134,7 +1142,7 @@
           <a:p>
             <a:fld id="{92F00D2A-9060-4029-9E8E-73524DBEAC72}" type="datetimeFigureOut">
               <a:rPr lang="ko-KR" altLang="en-US" smtClean="0"/>
-              <a:t>2019-05-20</a:t>
+              <a:t>2019-05-28</a:t>
             </a:fld>
             <a:endParaRPr lang="ko-KR" altLang="en-US"/>
           </a:p>
@@ -1399,7 +1407,7 @@
           <a:p>
             <a:fld id="{92F00D2A-9060-4029-9E8E-73524DBEAC72}" type="datetimeFigureOut">
               <a:rPr lang="ko-KR" altLang="en-US" smtClean="0"/>
-              <a:t>2019-05-20</a:t>
+              <a:t>2019-05-28</a:t>
             </a:fld>
             <a:endParaRPr lang="ko-KR" altLang="en-US"/>
           </a:p>
@@ -1811,7 +1819,7 @@
           <a:p>
             <a:fld id="{92F00D2A-9060-4029-9E8E-73524DBEAC72}" type="datetimeFigureOut">
               <a:rPr lang="ko-KR" altLang="en-US" smtClean="0"/>
-              <a:t>2019-05-20</a:t>
+              <a:t>2019-05-28</a:t>
             </a:fld>
             <a:endParaRPr lang="ko-KR" altLang="en-US"/>
           </a:p>
@@ -1952,7 +1960,7 @@
           <a:p>
             <a:fld id="{92F00D2A-9060-4029-9E8E-73524DBEAC72}" type="datetimeFigureOut">
               <a:rPr lang="ko-KR" altLang="en-US" smtClean="0"/>
-              <a:t>2019-05-20</a:t>
+              <a:t>2019-05-28</a:t>
             </a:fld>
             <a:endParaRPr lang="ko-KR" altLang="en-US"/>
           </a:p>
@@ -2065,7 +2073,7 @@
           <a:p>
             <a:fld id="{92F00D2A-9060-4029-9E8E-73524DBEAC72}" type="datetimeFigureOut">
               <a:rPr lang="ko-KR" altLang="en-US" smtClean="0"/>
-              <a:t>2019-05-20</a:t>
+              <a:t>2019-05-28</a:t>
             </a:fld>
             <a:endParaRPr lang="ko-KR" altLang="en-US"/>
           </a:p>
@@ -2376,7 +2384,7 @@
           <a:p>
             <a:fld id="{92F00D2A-9060-4029-9E8E-73524DBEAC72}" type="datetimeFigureOut">
               <a:rPr lang="ko-KR" altLang="en-US" smtClean="0"/>
-              <a:t>2019-05-20</a:t>
+              <a:t>2019-05-28</a:t>
             </a:fld>
             <a:endParaRPr lang="ko-KR" altLang="en-US"/>
           </a:p>
@@ -2664,7 +2672,7 @@
           <a:p>
             <a:fld id="{92F00D2A-9060-4029-9E8E-73524DBEAC72}" type="datetimeFigureOut">
               <a:rPr lang="ko-KR" altLang="en-US" smtClean="0"/>
-              <a:t>2019-05-20</a:t>
+              <a:t>2019-05-28</a:t>
             </a:fld>
             <a:endParaRPr lang="ko-KR" altLang="en-US"/>
           </a:p>
@@ -2905,7 +2913,7 @@
           <a:p>
             <a:fld id="{92F00D2A-9060-4029-9E8E-73524DBEAC72}" type="datetimeFigureOut">
               <a:rPr lang="ko-KR" altLang="en-US" smtClean="0"/>
-              <a:t>2019-05-20</a:t>
+              <a:t>2019-05-28</a:t>
             </a:fld>
             <a:endParaRPr lang="ko-KR" altLang="en-US"/>
           </a:p>
@@ -3414,6 +3422,3482 @@
     <p:extLst>
       <p:ext uri="{BB962C8B-B14F-4D97-AF65-F5344CB8AC3E}">
         <p14:creationId xmlns:p14="http://schemas.microsoft.com/office/powerpoint/2010/main" val="1121422376"/>
+      </p:ext>
+    </p:extLst>
+  </p:cSld>
+  <p:clrMapOvr>
+    <a:masterClrMapping/>
+  </p:clrMapOvr>
+</p:sld>
+</file>
+
+<file path=ppt/slides/slide3.xml><?xml version="1.0" encoding="utf-8"?>
+<p:sld xmlns:a="http://schemas.openxmlformats.org/drawingml/2006/main" xmlns:r="http://schemas.openxmlformats.org/officeDocument/2006/relationships" xmlns:p="http://schemas.openxmlformats.org/presentationml/2006/main">
+  <p:cSld>
+    <p:spTree>
+      <p:nvGrpSpPr>
+        <p:cNvPr id="1" name=""/>
+        <p:cNvGrpSpPr/>
+        <p:nvPr/>
+      </p:nvGrpSpPr>
+      <p:grpSpPr>
+        <a:xfrm>
+          <a:off x="0" y="0"/>
+          <a:ext cx="0" cy="0"/>
+          <a:chOff x="0" y="0"/>
+          <a:chExt cx="0" cy="0"/>
+        </a:xfrm>
+      </p:grpSpPr>
+      <p:pic>
+        <p:nvPicPr>
+          <p:cNvPr id="3" name="그림 2">
+            <a:extLst>
+              <a:ext uri="{FF2B5EF4-FFF2-40B4-BE49-F238E27FC236}">
+                <a16:creationId xmlns:a16="http://schemas.microsoft.com/office/drawing/2014/main" id="{92E3D2E2-370B-4D0F-B0F8-15F3B807493C}"/>
+              </a:ext>
+            </a:extLst>
+          </p:cNvPr>
+          <p:cNvPicPr>
+            <a:picLocks noChangeAspect="1"/>
+          </p:cNvPicPr>
+          <p:nvPr/>
+        </p:nvPicPr>
+        <p:blipFill>
+          <a:blip r:embed="rId2">
+            <a:extLst>
+              <a:ext uri="{28A0092B-C50C-407E-A947-70E740481C1C}">
+                <a14:useLocalDpi xmlns:a14="http://schemas.microsoft.com/office/drawing/2010/main" val="0"/>
+              </a:ext>
+            </a:extLst>
+          </a:blip>
+          <a:stretch>
+            <a:fillRect/>
+          </a:stretch>
+        </p:blipFill>
+        <p:spPr>
+          <a:xfrm>
+            <a:off x="1695771" y="620064"/>
+            <a:ext cx="5142857" cy="5142857"/>
+          </a:xfrm>
+          <a:prstGeom prst="rect">
+            <a:avLst/>
+          </a:prstGeom>
+        </p:spPr>
+      </p:pic>
+      <p:sp>
+        <p:nvSpPr>
+          <p:cNvPr id="4" name="타원 3">
+            <a:extLst>
+              <a:ext uri="{FF2B5EF4-FFF2-40B4-BE49-F238E27FC236}">
+                <a16:creationId xmlns:a16="http://schemas.microsoft.com/office/drawing/2014/main" id="{A4131049-8C06-42CA-934D-605B8BA09672}"/>
+              </a:ext>
+            </a:extLst>
+          </p:cNvPr>
+          <p:cNvSpPr/>
+          <p:nvPr/>
+        </p:nvSpPr>
+        <p:spPr>
+          <a:xfrm>
+            <a:off x="3263313" y="1902599"/>
+            <a:ext cx="275533" cy="296109"/>
+          </a:xfrm>
+          <a:prstGeom prst="ellipse">
+            <a:avLst/>
+          </a:prstGeom>
+          <a:solidFill>
+            <a:schemeClr val="tx1">
+              <a:lumMod val="95000"/>
+              <a:lumOff val="5000"/>
+            </a:schemeClr>
+          </a:solidFill>
+          <a:ln>
+            <a:solidFill>
+              <a:schemeClr val="accent1"/>
+            </a:solidFill>
+          </a:ln>
+        </p:spPr>
+        <p:style>
+          <a:lnRef idx="2">
+            <a:schemeClr val="accent1">
+              <a:shade val="50000"/>
+            </a:schemeClr>
+          </a:lnRef>
+          <a:fillRef idx="1">
+            <a:schemeClr val="accent1"/>
+          </a:fillRef>
+          <a:effectRef idx="0">
+            <a:schemeClr val="accent1"/>
+          </a:effectRef>
+          <a:fontRef idx="minor">
+            <a:schemeClr val="lt1"/>
+          </a:fontRef>
+        </p:style>
+        <p:txBody>
+          <a:bodyPr rtlCol="0" anchor="ctr"/>
+          <a:lstStyle/>
+          <a:p>
+            <a:pPr algn="ctr"/>
+            <a:endParaRPr lang="ko-KR" altLang="en-US"/>
+          </a:p>
+        </p:txBody>
+      </p:sp>
+      <p:sp>
+        <p:nvSpPr>
+          <p:cNvPr id="8" name="타원 7">
+            <a:extLst>
+              <a:ext uri="{FF2B5EF4-FFF2-40B4-BE49-F238E27FC236}">
+                <a16:creationId xmlns:a16="http://schemas.microsoft.com/office/drawing/2014/main" id="{3940C394-C86D-4006-8577-54C04DDC8A32}"/>
+              </a:ext>
+            </a:extLst>
+          </p:cNvPr>
+          <p:cNvSpPr/>
+          <p:nvPr/>
+        </p:nvSpPr>
+        <p:spPr>
+          <a:xfrm>
+            <a:off x="3538846" y="1902598"/>
+            <a:ext cx="275533" cy="296109"/>
+          </a:xfrm>
+          <a:prstGeom prst="ellipse">
+            <a:avLst/>
+          </a:prstGeom>
+          <a:solidFill>
+            <a:schemeClr val="bg1"/>
+          </a:solidFill>
+          <a:ln>
+            <a:solidFill>
+              <a:schemeClr val="accent1"/>
+            </a:solidFill>
+          </a:ln>
+        </p:spPr>
+        <p:style>
+          <a:lnRef idx="2">
+            <a:schemeClr val="accent1">
+              <a:shade val="50000"/>
+            </a:schemeClr>
+          </a:lnRef>
+          <a:fillRef idx="1">
+            <a:schemeClr val="accent1"/>
+          </a:fillRef>
+          <a:effectRef idx="0">
+            <a:schemeClr val="accent1"/>
+          </a:effectRef>
+          <a:fontRef idx="minor">
+            <a:schemeClr val="lt1"/>
+          </a:fontRef>
+        </p:style>
+        <p:txBody>
+          <a:bodyPr rtlCol="0" anchor="ctr"/>
+          <a:lstStyle/>
+          <a:p>
+            <a:pPr algn="ctr"/>
+            <a:endParaRPr lang="ko-KR" altLang="en-US"/>
+          </a:p>
+        </p:txBody>
+      </p:sp>
+      <p:sp>
+        <p:nvSpPr>
+          <p:cNvPr id="9" name="타원 8">
+            <a:extLst>
+              <a:ext uri="{FF2B5EF4-FFF2-40B4-BE49-F238E27FC236}">
+                <a16:creationId xmlns:a16="http://schemas.microsoft.com/office/drawing/2014/main" id="{092FD6E4-ACE7-4A58-99AF-F659B966F601}"/>
+              </a:ext>
+            </a:extLst>
+          </p:cNvPr>
+          <p:cNvSpPr/>
+          <p:nvPr/>
+        </p:nvSpPr>
+        <p:spPr>
+          <a:xfrm>
+            <a:off x="4129432" y="1902597"/>
+            <a:ext cx="275533" cy="296109"/>
+          </a:xfrm>
+          <a:prstGeom prst="ellipse">
+            <a:avLst/>
+          </a:prstGeom>
+          <a:solidFill>
+            <a:schemeClr val="bg1"/>
+          </a:solidFill>
+          <a:ln>
+            <a:solidFill>
+              <a:schemeClr val="accent1"/>
+            </a:solidFill>
+          </a:ln>
+        </p:spPr>
+        <p:style>
+          <a:lnRef idx="2">
+            <a:schemeClr val="accent1">
+              <a:shade val="50000"/>
+            </a:schemeClr>
+          </a:lnRef>
+          <a:fillRef idx="1">
+            <a:schemeClr val="accent1"/>
+          </a:fillRef>
+          <a:effectRef idx="0">
+            <a:schemeClr val="accent1"/>
+          </a:effectRef>
+          <a:fontRef idx="minor">
+            <a:schemeClr val="lt1"/>
+          </a:fontRef>
+        </p:style>
+        <p:txBody>
+          <a:bodyPr rtlCol="0" anchor="ctr"/>
+          <a:lstStyle/>
+          <a:p>
+            <a:pPr algn="ctr"/>
+            <a:endParaRPr lang="ko-KR" altLang="en-US"/>
+          </a:p>
+        </p:txBody>
+      </p:sp>
+      <p:sp>
+        <p:nvSpPr>
+          <p:cNvPr id="10" name="타원 9">
+            <a:extLst>
+              <a:ext uri="{FF2B5EF4-FFF2-40B4-BE49-F238E27FC236}">
+                <a16:creationId xmlns:a16="http://schemas.microsoft.com/office/drawing/2014/main" id="{2B8C68E4-129F-443A-B731-253F069E74A8}"/>
+              </a:ext>
+            </a:extLst>
+          </p:cNvPr>
+          <p:cNvSpPr/>
+          <p:nvPr/>
+        </p:nvSpPr>
+        <p:spPr>
+          <a:xfrm>
+            <a:off x="4411259" y="1902596"/>
+            <a:ext cx="275533" cy="296109"/>
+          </a:xfrm>
+          <a:prstGeom prst="ellipse">
+            <a:avLst/>
+          </a:prstGeom>
+          <a:solidFill>
+            <a:schemeClr val="bg1"/>
+          </a:solidFill>
+          <a:ln>
+            <a:solidFill>
+              <a:schemeClr val="accent1"/>
+            </a:solidFill>
+          </a:ln>
+        </p:spPr>
+        <p:style>
+          <a:lnRef idx="2">
+            <a:schemeClr val="accent1">
+              <a:shade val="50000"/>
+            </a:schemeClr>
+          </a:lnRef>
+          <a:fillRef idx="1">
+            <a:schemeClr val="accent1"/>
+          </a:fillRef>
+          <a:effectRef idx="0">
+            <a:schemeClr val="accent1"/>
+          </a:effectRef>
+          <a:fontRef idx="minor">
+            <a:schemeClr val="lt1"/>
+          </a:fontRef>
+        </p:style>
+        <p:txBody>
+          <a:bodyPr rtlCol="0" anchor="ctr"/>
+          <a:lstStyle/>
+          <a:p>
+            <a:pPr algn="ctr"/>
+            <a:endParaRPr lang="ko-KR" altLang="en-US"/>
+          </a:p>
+        </p:txBody>
+      </p:sp>
+      <p:sp>
+        <p:nvSpPr>
+          <p:cNvPr id="11" name="타원 10">
+            <a:extLst>
+              <a:ext uri="{FF2B5EF4-FFF2-40B4-BE49-F238E27FC236}">
+                <a16:creationId xmlns:a16="http://schemas.microsoft.com/office/drawing/2014/main" id="{48164F43-739C-44C6-849E-AD6B79464DE7}"/>
+              </a:ext>
+            </a:extLst>
+          </p:cNvPr>
+          <p:cNvSpPr/>
+          <p:nvPr/>
+        </p:nvSpPr>
+        <p:spPr>
+          <a:xfrm>
+            <a:off x="4686792" y="1902595"/>
+            <a:ext cx="275533" cy="296109"/>
+          </a:xfrm>
+          <a:prstGeom prst="ellipse">
+            <a:avLst/>
+          </a:prstGeom>
+          <a:solidFill>
+            <a:schemeClr val="bg1"/>
+          </a:solidFill>
+          <a:ln>
+            <a:solidFill>
+              <a:schemeClr val="accent1"/>
+            </a:solidFill>
+          </a:ln>
+        </p:spPr>
+        <p:style>
+          <a:lnRef idx="2">
+            <a:schemeClr val="accent1">
+              <a:shade val="50000"/>
+            </a:schemeClr>
+          </a:lnRef>
+          <a:fillRef idx="1">
+            <a:schemeClr val="accent1"/>
+          </a:fillRef>
+          <a:effectRef idx="0">
+            <a:schemeClr val="accent1"/>
+          </a:effectRef>
+          <a:fontRef idx="minor">
+            <a:schemeClr val="lt1"/>
+          </a:fontRef>
+        </p:style>
+        <p:txBody>
+          <a:bodyPr rtlCol="0" anchor="ctr"/>
+          <a:lstStyle/>
+          <a:p>
+            <a:pPr algn="ctr"/>
+            <a:endParaRPr lang="ko-KR" altLang="en-US"/>
+          </a:p>
+        </p:txBody>
+      </p:sp>
+      <p:sp>
+        <p:nvSpPr>
+          <p:cNvPr id="12" name="타원 11">
+            <a:extLst>
+              <a:ext uri="{FF2B5EF4-FFF2-40B4-BE49-F238E27FC236}">
+                <a16:creationId xmlns:a16="http://schemas.microsoft.com/office/drawing/2014/main" id="{F17C1E4A-66FE-4DA1-9D3B-142F3BDD6C0A}"/>
+              </a:ext>
+            </a:extLst>
+          </p:cNvPr>
+          <p:cNvSpPr/>
+          <p:nvPr/>
+        </p:nvSpPr>
+        <p:spPr>
+          <a:xfrm>
+            <a:off x="4968621" y="1902594"/>
+            <a:ext cx="275533" cy="296109"/>
+          </a:xfrm>
+          <a:prstGeom prst="ellipse">
+            <a:avLst/>
+          </a:prstGeom>
+          <a:solidFill>
+            <a:schemeClr val="tx1">
+              <a:lumMod val="95000"/>
+              <a:lumOff val="5000"/>
+            </a:schemeClr>
+          </a:solidFill>
+          <a:ln>
+            <a:solidFill>
+              <a:schemeClr val="accent1"/>
+            </a:solidFill>
+          </a:ln>
+        </p:spPr>
+        <p:style>
+          <a:lnRef idx="2">
+            <a:schemeClr val="accent1">
+              <a:shade val="50000"/>
+            </a:schemeClr>
+          </a:lnRef>
+          <a:fillRef idx="1">
+            <a:schemeClr val="accent1"/>
+          </a:fillRef>
+          <a:effectRef idx="0">
+            <a:schemeClr val="accent1"/>
+          </a:effectRef>
+          <a:fontRef idx="minor">
+            <a:schemeClr val="lt1"/>
+          </a:fontRef>
+        </p:style>
+        <p:txBody>
+          <a:bodyPr rtlCol="0" anchor="ctr"/>
+          <a:lstStyle/>
+          <a:p>
+            <a:pPr algn="ctr"/>
+            <a:endParaRPr lang="ko-KR" altLang="en-US"/>
+          </a:p>
+        </p:txBody>
+      </p:sp>
+      <p:sp>
+        <p:nvSpPr>
+          <p:cNvPr id="14" name="타원 13">
+            <a:extLst>
+              <a:ext uri="{FF2B5EF4-FFF2-40B4-BE49-F238E27FC236}">
+                <a16:creationId xmlns:a16="http://schemas.microsoft.com/office/drawing/2014/main" id="{BBA6D354-CD9D-4003-B192-61B109049D13}"/>
+              </a:ext>
+            </a:extLst>
+          </p:cNvPr>
+          <p:cNvSpPr/>
+          <p:nvPr/>
+        </p:nvSpPr>
+        <p:spPr>
+          <a:xfrm>
+            <a:off x="3263313" y="2473011"/>
+            <a:ext cx="275533" cy="296109"/>
+          </a:xfrm>
+          <a:prstGeom prst="ellipse">
+            <a:avLst/>
+          </a:prstGeom>
+          <a:solidFill>
+            <a:schemeClr val="tx1">
+              <a:lumMod val="95000"/>
+              <a:lumOff val="5000"/>
+            </a:schemeClr>
+          </a:solidFill>
+          <a:ln>
+            <a:solidFill>
+              <a:schemeClr val="accent1"/>
+            </a:solidFill>
+          </a:ln>
+        </p:spPr>
+        <p:style>
+          <a:lnRef idx="2">
+            <a:schemeClr val="accent1">
+              <a:shade val="50000"/>
+            </a:schemeClr>
+          </a:lnRef>
+          <a:fillRef idx="1">
+            <a:schemeClr val="accent1"/>
+          </a:fillRef>
+          <a:effectRef idx="0">
+            <a:schemeClr val="accent1"/>
+          </a:effectRef>
+          <a:fontRef idx="minor">
+            <a:schemeClr val="lt1"/>
+          </a:fontRef>
+        </p:style>
+        <p:txBody>
+          <a:bodyPr rtlCol="0" anchor="ctr"/>
+          <a:lstStyle/>
+          <a:p>
+            <a:pPr algn="ctr"/>
+            <a:endParaRPr lang="ko-KR" altLang="en-US"/>
+          </a:p>
+        </p:txBody>
+      </p:sp>
+      <p:sp>
+        <p:nvSpPr>
+          <p:cNvPr id="15" name="타원 14">
+            <a:extLst>
+              <a:ext uri="{FF2B5EF4-FFF2-40B4-BE49-F238E27FC236}">
+                <a16:creationId xmlns:a16="http://schemas.microsoft.com/office/drawing/2014/main" id="{300319BC-A723-42D3-8C2C-16B5019C4E60}"/>
+              </a:ext>
+            </a:extLst>
+          </p:cNvPr>
+          <p:cNvSpPr/>
+          <p:nvPr/>
+        </p:nvSpPr>
+        <p:spPr>
+          <a:xfrm>
+            <a:off x="3538846" y="2473010"/>
+            <a:ext cx="275533" cy="296109"/>
+          </a:xfrm>
+          <a:prstGeom prst="ellipse">
+            <a:avLst/>
+          </a:prstGeom>
+          <a:solidFill>
+            <a:schemeClr val="bg1"/>
+          </a:solidFill>
+          <a:ln>
+            <a:solidFill>
+              <a:schemeClr val="accent1"/>
+            </a:solidFill>
+          </a:ln>
+        </p:spPr>
+        <p:style>
+          <a:lnRef idx="2">
+            <a:schemeClr val="accent1">
+              <a:shade val="50000"/>
+            </a:schemeClr>
+          </a:lnRef>
+          <a:fillRef idx="1">
+            <a:schemeClr val="accent1"/>
+          </a:fillRef>
+          <a:effectRef idx="0">
+            <a:schemeClr val="accent1"/>
+          </a:effectRef>
+          <a:fontRef idx="minor">
+            <a:schemeClr val="lt1"/>
+          </a:fontRef>
+        </p:style>
+        <p:txBody>
+          <a:bodyPr rtlCol="0" anchor="ctr"/>
+          <a:lstStyle/>
+          <a:p>
+            <a:pPr algn="ctr"/>
+            <a:endParaRPr lang="ko-KR" altLang="en-US"/>
+          </a:p>
+        </p:txBody>
+      </p:sp>
+      <p:sp>
+        <p:nvSpPr>
+          <p:cNvPr id="16" name="타원 15">
+            <a:extLst>
+              <a:ext uri="{FF2B5EF4-FFF2-40B4-BE49-F238E27FC236}">
+                <a16:creationId xmlns:a16="http://schemas.microsoft.com/office/drawing/2014/main" id="{715E19F5-02A5-4F5D-8F0C-96AEE4861833}"/>
+              </a:ext>
+            </a:extLst>
+          </p:cNvPr>
+          <p:cNvSpPr/>
+          <p:nvPr/>
+        </p:nvSpPr>
+        <p:spPr>
+          <a:xfrm>
+            <a:off x="3834138" y="2473006"/>
+            <a:ext cx="275533" cy="296109"/>
+          </a:xfrm>
+          <a:prstGeom prst="ellipse">
+            <a:avLst/>
+          </a:prstGeom>
+          <a:solidFill>
+            <a:schemeClr val="bg1"/>
+          </a:solidFill>
+          <a:ln>
+            <a:solidFill>
+              <a:schemeClr val="accent1"/>
+            </a:solidFill>
+          </a:ln>
+        </p:spPr>
+        <p:style>
+          <a:lnRef idx="2">
+            <a:schemeClr val="accent1">
+              <a:shade val="50000"/>
+            </a:schemeClr>
+          </a:lnRef>
+          <a:fillRef idx="1">
+            <a:schemeClr val="accent1"/>
+          </a:fillRef>
+          <a:effectRef idx="0">
+            <a:schemeClr val="accent1"/>
+          </a:effectRef>
+          <a:fontRef idx="minor">
+            <a:schemeClr val="lt1"/>
+          </a:fontRef>
+        </p:style>
+        <p:txBody>
+          <a:bodyPr rtlCol="0" anchor="ctr"/>
+          <a:lstStyle/>
+          <a:p>
+            <a:pPr algn="ctr"/>
+            <a:endParaRPr lang="ko-KR" altLang="en-US"/>
+          </a:p>
+        </p:txBody>
+      </p:sp>
+      <p:sp>
+        <p:nvSpPr>
+          <p:cNvPr id="17" name="타원 16">
+            <a:extLst>
+              <a:ext uri="{FF2B5EF4-FFF2-40B4-BE49-F238E27FC236}">
+                <a16:creationId xmlns:a16="http://schemas.microsoft.com/office/drawing/2014/main" id="{3ABE70AD-3390-40DC-BAEE-932E7543C5B5}"/>
+              </a:ext>
+            </a:extLst>
+          </p:cNvPr>
+          <p:cNvSpPr/>
+          <p:nvPr/>
+        </p:nvSpPr>
+        <p:spPr>
+          <a:xfrm>
+            <a:off x="4411259" y="2473008"/>
+            <a:ext cx="275533" cy="296109"/>
+          </a:xfrm>
+          <a:prstGeom prst="ellipse">
+            <a:avLst/>
+          </a:prstGeom>
+          <a:solidFill>
+            <a:schemeClr val="bg1"/>
+          </a:solidFill>
+          <a:ln>
+            <a:solidFill>
+              <a:schemeClr val="accent1"/>
+            </a:solidFill>
+          </a:ln>
+        </p:spPr>
+        <p:style>
+          <a:lnRef idx="2">
+            <a:schemeClr val="accent1">
+              <a:shade val="50000"/>
+            </a:schemeClr>
+          </a:lnRef>
+          <a:fillRef idx="1">
+            <a:schemeClr val="accent1"/>
+          </a:fillRef>
+          <a:effectRef idx="0">
+            <a:schemeClr val="accent1"/>
+          </a:effectRef>
+          <a:fontRef idx="minor">
+            <a:schemeClr val="lt1"/>
+          </a:fontRef>
+        </p:style>
+        <p:txBody>
+          <a:bodyPr rtlCol="0" anchor="ctr"/>
+          <a:lstStyle/>
+          <a:p>
+            <a:pPr algn="ctr"/>
+            <a:endParaRPr lang="ko-KR" altLang="en-US"/>
+          </a:p>
+        </p:txBody>
+      </p:sp>
+      <p:sp>
+        <p:nvSpPr>
+          <p:cNvPr id="18" name="타원 17">
+            <a:extLst>
+              <a:ext uri="{FF2B5EF4-FFF2-40B4-BE49-F238E27FC236}">
+                <a16:creationId xmlns:a16="http://schemas.microsoft.com/office/drawing/2014/main" id="{C8CDB880-345A-40FF-8857-D7DEEB191D79}"/>
+              </a:ext>
+            </a:extLst>
+          </p:cNvPr>
+          <p:cNvSpPr/>
+          <p:nvPr/>
+        </p:nvSpPr>
+        <p:spPr>
+          <a:xfrm>
+            <a:off x="4686792" y="2473007"/>
+            <a:ext cx="275533" cy="296109"/>
+          </a:xfrm>
+          <a:prstGeom prst="ellipse">
+            <a:avLst/>
+          </a:prstGeom>
+          <a:solidFill>
+            <a:schemeClr val="bg1"/>
+          </a:solidFill>
+          <a:ln>
+            <a:solidFill>
+              <a:schemeClr val="accent1"/>
+            </a:solidFill>
+          </a:ln>
+        </p:spPr>
+        <p:style>
+          <a:lnRef idx="2">
+            <a:schemeClr val="accent1">
+              <a:shade val="50000"/>
+            </a:schemeClr>
+          </a:lnRef>
+          <a:fillRef idx="1">
+            <a:schemeClr val="accent1"/>
+          </a:fillRef>
+          <a:effectRef idx="0">
+            <a:schemeClr val="accent1"/>
+          </a:effectRef>
+          <a:fontRef idx="minor">
+            <a:schemeClr val="lt1"/>
+          </a:fontRef>
+        </p:style>
+        <p:txBody>
+          <a:bodyPr rtlCol="0" anchor="ctr"/>
+          <a:lstStyle/>
+          <a:p>
+            <a:pPr algn="ctr"/>
+            <a:endParaRPr lang="ko-KR" altLang="en-US"/>
+          </a:p>
+        </p:txBody>
+      </p:sp>
+      <p:sp>
+        <p:nvSpPr>
+          <p:cNvPr id="19" name="타원 18">
+            <a:extLst>
+              <a:ext uri="{FF2B5EF4-FFF2-40B4-BE49-F238E27FC236}">
+                <a16:creationId xmlns:a16="http://schemas.microsoft.com/office/drawing/2014/main" id="{685A965C-BFF1-43C5-81A3-FF692BF78C5C}"/>
+              </a:ext>
+            </a:extLst>
+          </p:cNvPr>
+          <p:cNvSpPr/>
+          <p:nvPr/>
+        </p:nvSpPr>
+        <p:spPr>
+          <a:xfrm>
+            <a:off x="4968621" y="2473006"/>
+            <a:ext cx="275533" cy="296109"/>
+          </a:xfrm>
+          <a:prstGeom prst="ellipse">
+            <a:avLst/>
+          </a:prstGeom>
+          <a:solidFill>
+            <a:schemeClr val="tx1">
+              <a:lumMod val="95000"/>
+              <a:lumOff val="5000"/>
+            </a:schemeClr>
+          </a:solidFill>
+          <a:ln>
+            <a:solidFill>
+              <a:schemeClr val="accent1"/>
+            </a:solidFill>
+          </a:ln>
+        </p:spPr>
+        <p:style>
+          <a:lnRef idx="2">
+            <a:schemeClr val="accent1">
+              <a:shade val="50000"/>
+            </a:schemeClr>
+          </a:lnRef>
+          <a:fillRef idx="1">
+            <a:schemeClr val="accent1"/>
+          </a:fillRef>
+          <a:effectRef idx="0">
+            <a:schemeClr val="accent1"/>
+          </a:effectRef>
+          <a:fontRef idx="minor">
+            <a:schemeClr val="lt1"/>
+          </a:fontRef>
+        </p:style>
+        <p:txBody>
+          <a:bodyPr rtlCol="0" anchor="ctr"/>
+          <a:lstStyle/>
+          <a:p>
+            <a:pPr algn="ctr"/>
+            <a:endParaRPr lang="ko-KR" altLang="en-US"/>
+          </a:p>
+        </p:txBody>
+      </p:sp>
+      <p:sp>
+        <p:nvSpPr>
+          <p:cNvPr id="20" name="타원 19">
+            <a:extLst>
+              <a:ext uri="{FF2B5EF4-FFF2-40B4-BE49-F238E27FC236}">
+                <a16:creationId xmlns:a16="http://schemas.microsoft.com/office/drawing/2014/main" id="{682E2379-652D-4B89-A2A2-14AE8D125E8A}"/>
+              </a:ext>
+            </a:extLst>
+          </p:cNvPr>
+          <p:cNvSpPr/>
+          <p:nvPr/>
+        </p:nvSpPr>
+        <p:spPr>
+          <a:xfrm>
+            <a:off x="3263313" y="3043440"/>
+            <a:ext cx="275533" cy="296109"/>
+          </a:xfrm>
+          <a:prstGeom prst="ellipse">
+            <a:avLst/>
+          </a:prstGeom>
+          <a:solidFill>
+            <a:schemeClr val="tx1">
+              <a:lumMod val="95000"/>
+              <a:lumOff val="5000"/>
+            </a:schemeClr>
+          </a:solidFill>
+          <a:ln>
+            <a:solidFill>
+              <a:schemeClr val="accent1"/>
+            </a:solidFill>
+          </a:ln>
+        </p:spPr>
+        <p:style>
+          <a:lnRef idx="2">
+            <a:schemeClr val="accent1">
+              <a:shade val="50000"/>
+            </a:schemeClr>
+          </a:lnRef>
+          <a:fillRef idx="1">
+            <a:schemeClr val="accent1"/>
+          </a:fillRef>
+          <a:effectRef idx="0">
+            <a:schemeClr val="accent1"/>
+          </a:effectRef>
+          <a:fontRef idx="minor">
+            <a:schemeClr val="lt1"/>
+          </a:fontRef>
+        </p:style>
+        <p:txBody>
+          <a:bodyPr rtlCol="0" anchor="ctr"/>
+          <a:lstStyle/>
+          <a:p>
+            <a:pPr algn="ctr"/>
+            <a:endParaRPr lang="ko-KR" altLang="en-US"/>
+          </a:p>
+        </p:txBody>
+      </p:sp>
+      <p:sp>
+        <p:nvSpPr>
+          <p:cNvPr id="21" name="타원 20">
+            <a:extLst>
+              <a:ext uri="{FF2B5EF4-FFF2-40B4-BE49-F238E27FC236}">
+                <a16:creationId xmlns:a16="http://schemas.microsoft.com/office/drawing/2014/main" id="{FF17FC13-37B1-497B-B37F-10375EFEEC7E}"/>
+              </a:ext>
+            </a:extLst>
+          </p:cNvPr>
+          <p:cNvSpPr/>
+          <p:nvPr/>
+        </p:nvSpPr>
+        <p:spPr>
+          <a:xfrm>
+            <a:off x="3538846" y="3043439"/>
+            <a:ext cx="275533" cy="296109"/>
+          </a:xfrm>
+          <a:prstGeom prst="ellipse">
+            <a:avLst/>
+          </a:prstGeom>
+          <a:solidFill>
+            <a:schemeClr val="bg1"/>
+          </a:solidFill>
+          <a:ln>
+            <a:solidFill>
+              <a:schemeClr val="accent1"/>
+            </a:solidFill>
+          </a:ln>
+        </p:spPr>
+        <p:style>
+          <a:lnRef idx="2">
+            <a:schemeClr val="accent1">
+              <a:shade val="50000"/>
+            </a:schemeClr>
+          </a:lnRef>
+          <a:fillRef idx="1">
+            <a:schemeClr val="accent1"/>
+          </a:fillRef>
+          <a:effectRef idx="0">
+            <a:schemeClr val="accent1"/>
+          </a:effectRef>
+          <a:fontRef idx="minor">
+            <a:schemeClr val="lt1"/>
+          </a:fontRef>
+        </p:style>
+        <p:txBody>
+          <a:bodyPr rtlCol="0" anchor="ctr"/>
+          <a:lstStyle/>
+          <a:p>
+            <a:pPr algn="ctr"/>
+            <a:endParaRPr lang="ko-KR" altLang="en-US"/>
+          </a:p>
+        </p:txBody>
+      </p:sp>
+      <p:sp>
+        <p:nvSpPr>
+          <p:cNvPr id="22" name="타원 21">
+            <a:extLst>
+              <a:ext uri="{FF2B5EF4-FFF2-40B4-BE49-F238E27FC236}">
+                <a16:creationId xmlns:a16="http://schemas.microsoft.com/office/drawing/2014/main" id="{167A239E-5DE1-46DA-8ECE-7866DEE1D72B}"/>
+              </a:ext>
+            </a:extLst>
+          </p:cNvPr>
+          <p:cNvSpPr/>
+          <p:nvPr/>
+        </p:nvSpPr>
+        <p:spPr>
+          <a:xfrm>
+            <a:off x="3821483" y="3040456"/>
+            <a:ext cx="275533" cy="296109"/>
+          </a:xfrm>
+          <a:prstGeom prst="ellipse">
+            <a:avLst/>
+          </a:prstGeom>
+          <a:solidFill>
+            <a:schemeClr val="bg1"/>
+          </a:solidFill>
+          <a:ln>
+            <a:solidFill>
+              <a:schemeClr val="accent1"/>
+            </a:solidFill>
+          </a:ln>
+        </p:spPr>
+        <p:style>
+          <a:lnRef idx="2">
+            <a:schemeClr val="accent1">
+              <a:shade val="50000"/>
+            </a:schemeClr>
+          </a:lnRef>
+          <a:fillRef idx="1">
+            <a:schemeClr val="accent1"/>
+          </a:fillRef>
+          <a:effectRef idx="0">
+            <a:schemeClr val="accent1"/>
+          </a:effectRef>
+          <a:fontRef idx="minor">
+            <a:schemeClr val="lt1"/>
+          </a:fontRef>
+        </p:style>
+        <p:txBody>
+          <a:bodyPr rtlCol="0" anchor="ctr"/>
+          <a:lstStyle/>
+          <a:p>
+            <a:pPr algn="ctr"/>
+            <a:endParaRPr lang="ko-KR" altLang="en-US"/>
+          </a:p>
+        </p:txBody>
+      </p:sp>
+      <p:sp>
+        <p:nvSpPr>
+          <p:cNvPr id="23" name="타원 22">
+            <a:extLst>
+              <a:ext uri="{FF2B5EF4-FFF2-40B4-BE49-F238E27FC236}">
+                <a16:creationId xmlns:a16="http://schemas.microsoft.com/office/drawing/2014/main" id="{3A2BCCCE-F930-4BE0-A211-6FBFFC080197}"/>
+              </a:ext>
+            </a:extLst>
+          </p:cNvPr>
+          <p:cNvSpPr/>
+          <p:nvPr/>
+        </p:nvSpPr>
+        <p:spPr>
+          <a:xfrm>
+            <a:off x="4101723" y="3040456"/>
+            <a:ext cx="275533" cy="296109"/>
+          </a:xfrm>
+          <a:prstGeom prst="ellipse">
+            <a:avLst/>
+          </a:prstGeom>
+          <a:solidFill>
+            <a:schemeClr val="bg1"/>
+          </a:solidFill>
+          <a:ln>
+            <a:solidFill>
+              <a:schemeClr val="accent1"/>
+            </a:solidFill>
+          </a:ln>
+        </p:spPr>
+        <p:style>
+          <a:lnRef idx="2">
+            <a:schemeClr val="accent1">
+              <a:shade val="50000"/>
+            </a:schemeClr>
+          </a:lnRef>
+          <a:fillRef idx="1">
+            <a:schemeClr val="accent1"/>
+          </a:fillRef>
+          <a:effectRef idx="0">
+            <a:schemeClr val="accent1"/>
+          </a:effectRef>
+          <a:fontRef idx="minor">
+            <a:schemeClr val="lt1"/>
+          </a:fontRef>
+        </p:style>
+        <p:txBody>
+          <a:bodyPr rtlCol="0" anchor="ctr"/>
+          <a:lstStyle/>
+          <a:p>
+            <a:pPr algn="ctr"/>
+            <a:endParaRPr lang="ko-KR" altLang="en-US"/>
+          </a:p>
+        </p:txBody>
+      </p:sp>
+      <p:sp>
+        <p:nvSpPr>
+          <p:cNvPr id="24" name="타원 23">
+            <a:extLst>
+              <a:ext uri="{FF2B5EF4-FFF2-40B4-BE49-F238E27FC236}">
+                <a16:creationId xmlns:a16="http://schemas.microsoft.com/office/drawing/2014/main" id="{A9EE7C84-54B0-4DAE-8E2E-7209A2B15944}"/>
+              </a:ext>
+            </a:extLst>
+          </p:cNvPr>
+          <p:cNvSpPr/>
+          <p:nvPr/>
+        </p:nvSpPr>
+        <p:spPr>
+          <a:xfrm>
+            <a:off x="4686792" y="3043436"/>
+            <a:ext cx="275533" cy="296109"/>
+          </a:xfrm>
+          <a:prstGeom prst="ellipse">
+            <a:avLst/>
+          </a:prstGeom>
+          <a:solidFill>
+            <a:schemeClr val="bg1"/>
+          </a:solidFill>
+          <a:ln>
+            <a:solidFill>
+              <a:schemeClr val="accent1"/>
+            </a:solidFill>
+          </a:ln>
+        </p:spPr>
+        <p:style>
+          <a:lnRef idx="2">
+            <a:schemeClr val="accent1">
+              <a:shade val="50000"/>
+            </a:schemeClr>
+          </a:lnRef>
+          <a:fillRef idx="1">
+            <a:schemeClr val="accent1"/>
+          </a:fillRef>
+          <a:effectRef idx="0">
+            <a:schemeClr val="accent1"/>
+          </a:effectRef>
+          <a:fontRef idx="minor">
+            <a:schemeClr val="lt1"/>
+          </a:fontRef>
+        </p:style>
+        <p:txBody>
+          <a:bodyPr rtlCol="0" anchor="ctr"/>
+          <a:lstStyle/>
+          <a:p>
+            <a:pPr algn="ctr"/>
+            <a:endParaRPr lang="ko-KR" altLang="en-US"/>
+          </a:p>
+        </p:txBody>
+      </p:sp>
+      <p:sp>
+        <p:nvSpPr>
+          <p:cNvPr id="25" name="타원 24">
+            <a:extLst>
+              <a:ext uri="{FF2B5EF4-FFF2-40B4-BE49-F238E27FC236}">
+                <a16:creationId xmlns:a16="http://schemas.microsoft.com/office/drawing/2014/main" id="{3724958A-828C-40E0-9D22-8D3446AE35BE}"/>
+              </a:ext>
+            </a:extLst>
+          </p:cNvPr>
+          <p:cNvSpPr/>
+          <p:nvPr/>
+        </p:nvSpPr>
+        <p:spPr>
+          <a:xfrm>
+            <a:off x="4968621" y="3043435"/>
+            <a:ext cx="275533" cy="296109"/>
+          </a:xfrm>
+          <a:prstGeom prst="ellipse">
+            <a:avLst/>
+          </a:prstGeom>
+          <a:solidFill>
+            <a:schemeClr val="tx1">
+              <a:lumMod val="95000"/>
+              <a:lumOff val="5000"/>
+            </a:schemeClr>
+          </a:solidFill>
+          <a:ln>
+            <a:solidFill>
+              <a:schemeClr val="accent1"/>
+            </a:solidFill>
+          </a:ln>
+        </p:spPr>
+        <p:style>
+          <a:lnRef idx="2">
+            <a:schemeClr val="accent1">
+              <a:shade val="50000"/>
+            </a:schemeClr>
+          </a:lnRef>
+          <a:fillRef idx="1">
+            <a:schemeClr val="accent1"/>
+          </a:fillRef>
+          <a:effectRef idx="0">
+            <a:schemeClr val="accent1"/>
+          </a:effectRef>
+          <a:fontRef idx="minor">
+            <a:schemeClr val="lt1"/>
+          </a:fontRef>
+        </p:style>
+        <p:txBody>
+          <a:bodyPr rtlCol="0" anchor="ctr"/>
+          <a:lstStyle/>
+          <a:p>
+            <a:pPr algn="ctr"/>
+            <a:endParaRPr lang="ko-KR" altLang="en-US"/>
+          </a:p>
+        </p:txBody>
+      </p:sp>
+    </p:spTree>
+    <p:extLst>
+      <p:ext uri="{BB962C8B-B14F-4D97-AF65-F5344CB8AC3E}">
+        <p14:creationId xmlns:p14="http://schemas.microsoft.com/office/powerpoint/2010/main" val="2656160107"/>
+      </p:ext>
+    </p:extLst>
+  </p:cSld>
+  <p:clrMapOvr>
+    <a:masterClrMapping/>
+  </p:clrMapOvr>
+</p:sld>
+</file>
+
+<file path=ppt/slides/slide4.xml><?xml version="1.0" encoding="utf-8"?>
+<p:sld xmlns:a="http://schemas.openxmlformats.org/drawingml/2006/main" xmlns:r="http://schemas.openxmlformats.org/officeDocument/2006/relationships" xmlns:p="http://schemas.openxmlformats.org/presentationml/2006/main">
+  <p:cSld>
+    <p:spTree>
+      <p:nvGrpSpPr>
+        <p:cNvPr id="1" name=""/>
+        <p:cNvGrpSpPr/>
+        <p:nvPr/>
+      </p:nvGrpSpPr>
+      <p:grpSpPr>
+        <a:xfrm>
+          <a:off x="0" y="0"/>
+          <a:ext cx="0" cy="0"/>
+          <a:chOff x="0" y="0"/>
+          <a:chExt cx="0" cy="0"/>
+        </a:xfrm>
+      </p:grpSpPr>
+      <p:pic>
+        <p:nvPicPr>
+          <p:cNvPr id="2" name="그림 1">
+            <a:extLst>
+              <a:ext uri="{FF2B5EF4-FFF2-40B4-BE49-F238E27FC236}">
+                <a16:creationId xmlns:a16="http://schemas.microsoft.com/office/drawing/2014/main" id="{10CD0BD9-C183-4485-BABD-02814830E9DE}"/>
+              </a:ext>
+            </a:extLst>
+          </p:cNvPr>
+          <p:cNvPicPr>
+            <a:picLocks noChangeAspect="1"/>
+          </p:cNvPicPr>
+          <p:nvPr/>
+        </p:nvPicPr>
+        <p:blipFill>
+          <a:blip r:embed="rId2">
+            <a:extLst>
+              <a:ext uri="{28A0092B-C50C-407E-A947-70E740481C1C}">
+                <a14:useLocalDpi xmlns:a14="http://schemas.microsoft.com/office/drawing/2010/main" val="0"/>
+              </a:ext>
+            </a:extLst>
+          </a:blip>
+          <a:stretch>
+            <a:fillRect/>
+          </a:stretch>
+        </p:blipFill>
+        <p:spPr>
+          <a:xfrm>
+            <a:off x="1033901" y="1002646"/>
+            <a:ext cx="5142857" cy="5142857"/>
+          </a:xfrm>
+          <a:prstGeom prst="rect">
+            <a:avLst/>
+          </a:prstGeom>
+        </p:spPr>
+      </p:pic>
+      <p:sp>
+        <p:nvSpPr>
+          <p:cNvPr id="3" name="타원 2">
+            <a:extLst>
+              <a:ext uri="{FF2B5EF4-FFF2-40B4-BE49-F238E27FC236}">
+                <a16:creationId xmlns:a16="http://schemas.microsoft.com/office/drawing/2014/main" id="{9CA456C3-EE93-47D4-975A-16B0B895EEA7}"/>
+              </a:ext>
+            </a:extLst>
+          </p:cNvPr>
+          <p:cNvSpPr/>
+          <p:nvPr/>
+        </p:nvSpPr>
+        <p:spPr>
+          <a:xfrm>
+            <a:off x="8488456" y="2288164"/>
+            <a:ext cx="275533" cy="296109"/>
+          </a:xfrm>
+          <a:prstGeom prst="ellipse">
+            <a:avLst/>
+          </a:prstGeom>
+          <a:solidFill>
+            <a:schemeClr val="tx1">
+              <a:lumMod val="95000"/>
+              <a:lumOff val="5000"/>
+            </a:schemeClr>
+          </a:solidFill>
+          <a:ln>
+            <a:solidFill>
+              <a:schemeClr val="accent1"/>
+            </a:solidFill>
+          </a:ln>
+        </p:spPr>
+        <p:style>
+          <a:lnRef idx="2">
+            <a:schemeClr val="accent1">
+              <a:shade val="50000"/>
+            </a:schemeClr>
+          </a:lnRef>
+          <a:fillRef idx="1">
+            <a:schemeClr val="accent1"/>
+          </a:fillRef>
+          <a:effectRef idx="0">
+            <a:schemeClr val="accent1"/>
+          </a:effectRef>
+          <a:fontRef idx="minor">
+            <a:schemeClr val="lt1"/>
+          </a:fontRef>
+        </p:style>
+        <p:txBody>
+          <a:bodyPr rtlCol="0" anchor="ctr"/>
+          <a:lstStyle/>
+          <a:p>
+            <a:pPr algn="ctr"/>
+            <a:endParaRPr lang="ko-KR" altLang="en-US"/>
+          </a:p>
+        </p:txBody>
+      </p:sp>
+      <p:sp>
+        <p:nvSpPr>
+          <p:cNvPr id="4" name="타원 3">
+            <a:extLst>
+              <a:ext uri="{FF2B5EF4-FFF2-40B4-BE49-F238E27FC236}">
+                <a16:creationId xmlns:a16="http://schemas.microsoft.com/office/drawing/2014/main" id="{69BC8343-8A8A-4D71-A6C0-D7012A8C65B3}"/>
+              </a:ext>
+            </a:extLst>
+          </p:cNvPr>
+          <p:cNvSpPr/>
+          <p:nvPr/>
+        </p:nvSpPr>
+        <p:spPr>
+          <a:xfrm>
+            <a:off x="8763989" y="2288163"/>
+            <a:ext cx="275533" cy="296109"/>
+          </a:xfrm>
+          <a:prstGeom prst="ellipse">
+            <a:avLst/>
+          </a:prstGeom>
+          <a:solidFill>
+            <a:schemeClr val="bg1"/>
+          </a:solidFill>
+          <a:ln>
+            <a:solidFill>
+              <a:schemeClr val="accent1"/>
+            </a:solidFill>
+          </a:ln>
+        </p:spPr>
+        <p:style>
+          <a:lnRef idx="2">
+            <a:schemeClr val="accent1">
+              <a:shade val="50000"/>
+            </a:schemeClr>
+          </a:lnRef>
+          <a:fillRef idx="1">
+            <a:schemeClr val="accent1"/>
+          </a:fillRef>
+          <a:effectRef idx="0">
+            <a:schemeClr val="accent1"/>
+          </a:effectRef>
+          <a:fontRef idx="minor">
+            <a:schemeClr val="lt1"/>
+          </a:fontRef>
+        </p:style>
+        <p:txBody>
+          <a:bodyPr rtlCol="0" anchor="ctr"/>
+          <a:lstStyle/>
+          <a:p>
+            <a:pPr algn="ctr"/>
+            <a:endParaRPr lang="ko-KR" altLang="en-US"/>
+          </a:p>
+        </p:txBody>
+      </p:sp>
+      <p:sp>
+        <p:nvSpPr>
+          <p:cNvPr id="5" name="타원 4">
+            <a:extLst>
+              <a:ext uri="{FF2B5EF4-FFF2-40B4-BE49-F238E27FC236}">
+                <a16:creationId xmlns:a16="http://schemas.microsoft.com/office/drawing/2014/main" id="{D3CED0D0-34B6-479A-AC8C-591C3AE36058}"/>
+              </a:ext>
+            </a:extLst>
+          </p:cNvPr>
+          <p:cNvSpPr/>
+          <p:nvPr/>
+        </p:nvSpPr>
+        <p:spPr>
+          <a:xfrm>
+            <a:off x="9354575" y="2288162"/>
+            <a:ext cx="275533" cy="296109"/>
+          </a:xfrm>
+          <a:prstGeom prst="ellipse">
+            <a:avLst/>
+          </a:prstGeom>
+          <a:solidFill>
+            <a:schemeClr val="bg1"/>
+          </a:solidFill>
+          <a:ln>
+            <a:solidFill>
+              <a:schemeClr val="accent1"/>
+            </a:solidFill>
+          </a:ln>
+        </p:spPr>
+        <p:style>
+          <a:lnRef idx="2">
+            <a:schemeClr val="accent1">
+              <a:shade val="50000"/>
+            </a:schemeClr>
+          </a:lnRef>
+          <a:fillRef idx="1">
+            <a:schemeClr val="accent1"/>
+          </a:fillRef>
+          <a:effectRef idx="0">
+            <a:schemeClr val="accent1"/>
+          </a:effectRef>
+          <a:fontRef idx="minor">
+            <a:schemeClr val="lt1"/>
+          </a:fontRef>
+        </p:style>
+        <p:txBody>
+          <a:bodyPr rtlCol="0" anchor="ctr"/>
+          <a:lstStyle/>
+          <a:p>
+            <a:pPr algn="ctr"/>
+            <a:endParaRPr lang="ko-KR" altLang="en-US"/>
+          </a:p>
+        </p:txBody>
+      </p:sp>
+      <p:sp>
+        <p:nvSpPr>
+          <p:cNvPr id="6" name="타원 5">
+            <a:extLst>
+              <a:ext uri="{FF2B5EF4-FFF2-40B4-BE49-F238E27FC236}">
+                <a16:creationId xmlns:a16="http://schemas.microsoft.com/office/drawing/2014/main" id="{AA359B90-56E9-4E6D-ADA8-DA89A7375991}"/>
+              </a:ext>
+            </a:extLst>
+          </p:cNvPr>
+          <p:cNvSpPr/>
+          <p:nvPr/>
+        </p:nvSpPr>
+        <p:spPr>
+          <a:xfrm>
+            <a:off x="9636402" y="2288161"/>
+            <a:ext cx="275533" cy="296109"/>
+          </a:xfrm>
+          <a:prstGeom prst="ellipse">
+            <a:avLst/>
+          </a:prstGeom>
+          <a:solidFill>
+            <a:schemeClr val="bg1"/>
+          </a:solidFill>
+          <a:ln>
+            <a:solidFill>
+              <a:schemeClr val="accent1"/>
+            </a:solidFill>
+          </a:ln>
+        </p:spPr>
+        <p:style>
+          <a:lnRef idx="2">
+            <a:schemeClr val="accent1">
+              <a:shade val="50000"/>
+            </a:schemeClr>
+          </a:lnRef>
+          <a:fillRef idx="1">
+            <a:schemeClr val="accent1"/>
+          </a:fillRef>
+          <a:effectRef idx="0">
+            <a:schemeClr val="accent1"/>
+          </a:effectRef>
+          <a:fontRef idx="minor">
+            <a:schemeClr val="lt1"/>
+          </a:fontRef>
+        </p:style>
+        <p:txBody>
+          <a:bodyPr rtlCol="0" anchor="ctr"/>
+          <a:lstStyle/>
+          <a:p>
+            <a:pPr algn="ctr"/>
+            <a:endParaRPr lang="ko-KR" altLang="en-US"/>
+          </a:p>
+        </p:txBody>
+      </p:sp>
+      <p:sp>
+        <p:nvSpPr>
+          <p:cNvPr id="7" name="타원 6">
+            <a:extLst>
+              <a:ext uri="{FF2B5EF4-FFF2-40B4-BE49-F238E27FC236}">
+                <a16:creationId xmlns:a16="http://schemas.microsoft.com/office/drawing/2014/main" id="{4E97A6EF-073F-4DE6-803A-6E27DF97701B}"/>
+              </a:ext>
+            </a:extLst>
+          </p:cNvPr>
+          <p:cNvSpPr/>
+          <p:nvPr/>
+        </p:nvSpPr>
+        <p:spPr>
+          <a:xfrm>
+            <a:off x="9911935" y="2288160"/>
+            <a:ext cx="275533" cy="296109"/>
+          </a:xfrm>
+          <a:prstGeom prst="ellipse">
+            <a:avLst/>
+          </a:prstGeom>
+          <a:solidFill>
+            <a:schemeClr val="bg1"/>
+          </a:solidFill>
+          <a:ln>
+            <a:solidFill>
+              <a:schemeClr val="accent1"/>
+            </a:solidFill>
+          </a:ln>
+        </p:spPr>
+        <p:style>
+          <a:lnRef idx="2">
+            <a:schemeClr val="accent1">
+              <a:shade val="50000"/>
+            </a:schemeClr>
+          </a:lnRef>
+          <a:fillRef idx="1">
+            <a:schemeClr val="accent1"/>
+          </a:fillRef>
+          <a:effectRef idx="0">
+            <a:schemeClr val="accent1"/>
+          </a:effectRef>
+          <a:fontRef idx="minor">
+            <a:schemeClr val="lt1"/>
+          </a:fontRef>
+        </p:style>
+        <p:txBody>
+          <a:bodyPr rtlCol="0" anchor="ctr"/>
+          <a:lstStyle/>
+          <a:p>
+            <a:pPr algn="ctr"/>
+            <a:endParaRPr lang="ko-KR" altLang="en-US"/>
+          </a:p>
+        </p:txBody>
+      </p:sp>
+      <p:sp>
+        <p:nvSpPr>
+          <p:cNvPr id="8" name="타원 7">
+            <a:extLst>
+              <a:ext uri="{FF2B5EF4-FFF2-40B4-BE49-F238E27FC236}">
+                <a16:creationId xmlns:a16="http://schemas.microsoft.com/office/drawing/2014/main" id="{730F6C3D-9D78-4CEA-BE27-1744DE4E9161}"/>
+              </a:ext>
+            </a:extLst>
+          </p:cNvPr>
+          <p:cNvSpPr/>
+          <p:nvPr/>
+        </p:nvSpPr>
+        <p:spPr>
+          <a:xfrm>
+            <a:off x="10193764" y="2288159"/>
+            <a:ext cx="275533" cy="296109"/>
+          </a:xfrm>
+          <a:prstGeom prst="ellipse">
+            <a:avLst/>
+          </a:prstGeom>
+          <a:solidFill>
+            <a:schemeClr val="tx1">
+              <a:lumMod val="95000"/>
+              <a:lumOff val="5000"/>
+            </a:schemeClr>
+          </a:solidFill>
+          <a:ln>
+            <a:solidFill>
+              <a:schemeClr val="accent1"/>
+            </a:solidFill>
+          </a:ln>
+        </p:spPr>
+        <p:style>
+          <a:lnRef idx="2">
+            <a:schemeClr val="accent1">
+              <a:shade val="50000"/>
+            </a:schemeClr>
+          </a:lnRef>
+          <a:fillRef idx="1">
+            <a:schemeClr val="accent1"/>
+          </a:fillRef>
+          <a:effectRef idx="0">
+            <a:schemeClr val="accent1"/>
+          </a:effectRef>
+          <a:fontRef idx="minor">
+            <a:schemeClr val="lt1"/>
+          </a:fontRef>
+        </p:style>
+        <p:txBody>
+          <a:bodyPr rtlCol="0" anchor="ctr"/>
+          <a:lstStyle/>
+          <a:p>
+            <a:pPr algn="ctr"/>
+            <a:endParaRPr lang="ko-KR" altLang="en-US"/>
+          </a:p>
+        </p:txBody>
+      </p:sp>
+      <p:sp>
+        <p:nvSpPr>
+          <p:cNvPr id="9" name="타원 8">
+            <a:extLst>
+              <a:ext uri="{FF2B5EF4-FFF2-40B4-BE49-F238E27FC236}">
+                <a16:creationId xmlns:a16="http://schemas.microsoft.com/office/drawing/2014/main" id="{6681C11C-C1C9-4FFB-8758-7F13508EB8BA}"/>
+              </a:ext>
+            </a:extLst>
+          </p:cNvPr>
+          <p:cNvSpPr/>
+          <p:nvPr/>
+        </p:nvSpPr>
+        <p:spPr>
+          <a:xfrm>
+            <a:off x="8488456" y="2858576"/>
+            <a:ext cx="275533" cy="296109"/>
+          </a:xfrm>
+          <a:prstGeom prst="ellipse">
+            <a:avLst/>
+          </a:prstGeom>
+          <a:solidFill>
+            <a:schemeClr val="tx1">
+              <a:lumMod val="95000"/>
+              <a:lumOff val="5000"/>
+            </a:schemeClr>
+          </a:solidFill>
+          <a:ln>
+            <a:solidFill>
+              <a:schemeClr val="accent1"/>
+            </a:solidFill>
+          </a:ln>
+        </p:spPr>
+        <p:style>
+          <a:lnRef idx="2">
+            <a:schemeClr val="accent1">
+              <a:shade val="50000"/>
+            </a:schemeClr>
+          </a:lnRef>
+          <a:fillRef idx="1">
+            <a:schemeClr val="accent1"/>
+          </a:fillRef>
+          <a:effectRef idx="0">
+            <a:schemeClr val="accent1"/>
+          </a:effectRef>
+          <a:fontRef idx="minor">
+            <a:schemeClr val="lt1"/>
+          </a:fontRef>
+        </p:style>
+        <p:txBody>
+          <a:bodyPr rtlCol="0" anchor="ctr"/>
+          <a:lstStyle/>
+          <a:p>
+            <a:pPr algn="ctr"/>
+            <a:endParaRPr lang="ko-KR" altLang="en-US"/>
+          </a:p>
+        </p:txBody>
+      </p:sp>
+      <p:sp>
+        <p:nvSpPr>
+          <p:cNvPr id="10" name="타원 9">
+            <a:extLst>
+              <a:ext uri="{FF2B5EF4-FFF2-40B4-BE49-F238E27FC236}">
+                <a16:creationId xmlns:a16="http://schemas.microsoft.com/office/drawing/2014/main" id="{17D16C9F-6A8D-4503-B589-5CAA770CEAD1}"/>
+              </a:ext>
+            </a:extLst>
+          </p:cNvPr>
+          <p:cNvSpPr/>
+          <p:nvPr/>
+        </p:nvSpPr>
+        <p:spPr>
+          <a:xfrm>
+            <a:off x="8763989" y="2858575"/>
+            <a:ext cx="275533" cy="296109"/>
+          </a:xfrm>
+          <a:prstGeom prst="ellipse">
+            <a:avLst/>
+          </a:prstGeom>
+          <a:solidFill>
+            <a:schemeClr val="bg1"/>
+          </a:solidFill>
+          <a:ln>
+            <a:solidFill>
+              <a:schemeClr val="accent1"/>
+            </a:solidFill>
+          </a:ln>
+        </p:spPr>
+        <p:style>
+          <a:lnRef idx="2">
+            <a:schemeClr val="accent1">
+              <a:shade val="50000"/>
+            </a:schemeClr>
+          </a:lnRef>
+          <a:fillRef idx="1">
+            <a:schemeClr val="accent1"/>
+          </a:fillRef>
+          <a:effectRef idx="0">
+            <a:schemeClr val="accent1"/>
+          </a:effectRef>
+          <a:fontRef idx="minor">
+            <a:schemeClr val="lt1"/>
+          </a:fontRef>
+        </p:style>
+        <p:txBody>
+          <a:bodyPr rtlCol="0" anchor="ctr"/>
+          <a:lstStyle/>
+          <a:p>
+            <a:pPr algn="ctr"/>
+            <a:endParaRPr lang="ko-KR" altLang="en-US"/>
+          </a:p>
+        </p:txBody>
+      </p:sp>
+      <p:sp>
+        <p:nvSpPr>
+          <p:cNvPr id="11" name="타원 10">
+            <a:extLst>
+              <a:ext uri="{FF2B5EF4-FFF2-40B4-BE49-F238E27FC236}">
+                <a16:creationId xmlns:a16="http://schemas.microsoft.com/office/drawing/2014/main" id="{54126018-B615-4F30-BC79-3C804F03C803}"/>
+              </a:ext>
+            </a:extLst>
+          </p:cNvPr>
+          <p:cNvSpPr/>
+          <p:nvPr/>
+        </p:nvSpPr>
+        <p:spPr>
+          <a:xfrm>
+            <a:off x="9059281" y="2858571"/>
+            <a:ext cx="275533" cy="296109"/>
+          </a:xfrm>
+          <a:prstGeom prst="ellipse">
+            <a:avLst/>
+          </a:prstGeom>
+          <a:solidFill>
+            <a:schemeClr val="bg1"/>
+          </a:solidFill>
+          <a:ln>
+            <a:solidFill>
+              <a:schemeClr val="accent1"/>
+            </a:solidFill>
+          </a:ln>
+        </p:spPr>
+        <p:style>
+          <a:lnRef idx="2">
+            <a:schemeClr val="accent1">
+              <a:shade val="50000"/>
+            </a:schemeClr>
+          </a:lnRef>
+          <a:fillRef idx="1">
+            <a:schemeClr val="accent1"/>
+          </a:fillRef>
+          <a:effectRef idx="0">
+            <a:schemeClr val="accent1"/>
+          </a:effectRef>
+          <a:fontRef idx="minor">
+            <a:schemeClr val="lt1"/>
+          </a:fontRef>
+        </p:style>
+        <p:txBody>
+          <a:bodyPr rtlCol="0" anchor="ctr"/>
+          <a:lstStyle/>
+          <a:p>
+            <a:pPr algn="ctr"/>
+            <a:endParaRPr lang="ko-KR" altLang="en-US"/>
+          </a:p>
+        </p:txBody>
+      </p:sp>
+      <p:sp>
+        <p:nvSpPr>
+          <p:cNvPr id="12" name="타원 11">
+            <a:extLst>
+              <a:ext uri="{FF2B5EF4-FFF2-40B4-BE49-F238E27FC236}">
+                <a16:creationId xmlns:a16="http://schemas.microsoft.com/office/drawing/2014/main" id="{5554D5A3-4D4C-4A20-A83E-CF18F0918962}"/>
+              </a:ext>
+            </a:extLst>
+          </p:cNvPr>
+          <p:cNvSpPr/>
+          <p:nvPr/>
+        </p:nvSpPr>
+        <p:spPr>
+          <a:xfrm>
+            <a:off x="9636402" y="2858573"/>
+            <a:ext cx="275533" cy="296109"/>
+          </a:xfrm>
+          <a:prstGeom prst="ellipse">
+            <a:avLst/>
+          </a:prstGeom>
+          <a:solidFill>
+            <a:schemeClr val="bg1"/>
+          </a:solidFill>
+          <a:ln>
+            <a:solidFill>
+              <a:schemeClr val="accent1"/>
+            </a:solidFill>
+          </a:ln>
+        </p:spPr>
+        <p:style>
+          <a:lnRef idx="2">
+            <a:schemeClr val="accent1">
+              <a:shade val="50000"/>
+            </a:schemeClr>
+          </a:lnRef>
+          <a:fillRef idx="1">
+            <a:schemeClr val="accent1"/>
+          </a:fillRef>
+          <a:effectRef idx="0">
+            <a:schemeClr val="accent1"/>
+          </a:effectRef>
+          <a:fontRef idx="minor">
+            <a:schemeClr val="lt1"/>
+          </a:fontRef>
+        </p:style>
+        <p:txBody>
+          <a:bodyPr rtlCol="0" anchor="ctr"/>
+          <a:lstStyle/>
+          <a:p>
+            <a:pPr algn="ctr"/>
+            <a:endParaRPr lang="ko-KR" altLang="en-US"/>
+          </a:p>
+        </p:txBody>
+      </p:sp>
+      <p:sp>
+        <p:nvSpPr>
+          <p:cNvPr id="13" name="타원 12">
+            <a:extLst>
+              <a:ext uri="{FF2B5EF4-FFF2-40B4-BE49-F238E27FC236}">
+                <a16:creationId xmlns:a16="http://schemas.microsoft.com/office/drawing/2014/main" id="{2476FA44-03BF-4C5A-B4D7-76F921E6389C}"/>
+              </a:ext>
+            </a:extLst>
+          </p:cNvPr>
+          <p:cNvSpPr/>
+          <p:nvPr/>
+        </p:nvSpPr>
+        <p:spPr>
+          <a:xfrm>
+            <a:off x="9911935" y="2858572"/>
+            <a:ext cx="275533" cy="296109"/>
+          </a:xfrm>
+          <a:prstGeom prst="ellipse">
+            <a:avLst/>
+          </a:prstGeom>
+          <a:solidFill>
+            <a:schemeClr val="bg1"/>
+          </a:solidFill>
+          <a:ln>
+            <a:solidFill>
+              <a:schemeClr val="accent1"/>
+            </a:solidFill>
+          </a:ln>
+        </p:spPr>
+        <p:style>
+          <a:lnRef idx="2">
+            <a:schemeClr val="accent1">
+              <a:shade val="50000"/>
+            </a:schemeClr>
+          </a:lnRef>
+          <a:fillRef idx="1">
+            <a:schemeClr val="accent1"/>
+          </a:fillRef>
+          <a:effectRef idx="0">
+            <a:schemeClr val="accent1"/>
+          </a:effectRef>
+          <a:fontRef idx="minor">
+            <a:schemeClr val="lt1"/>
+          </a:fontRef>
+        </p:style>
+        <p:txBody>
+          <a:bodyPr rtlCol="0" anchor="ctr"/>
+          <a:lstStyle/>
+          <a:p>
+            <a:pPr algn="ctr"/>
+            <a:endParaRPr lang="ko-KR" altLang="en-US"/>
+          </a:p>
+        </p:txBody>
+      </p:sp>
+      <p:sp>
+        <p:nvSpPr>
+          <p:cNvPr id="14" name="타원 13">
+            <a:extLst>
+              <a:ext uri="{FF2B5EF4-FFF2-40B4-BE49-F238E27FC236}">
+                <a16:creationId xmlns:a16="http://schemas.microsoft.com/office/drawing/2014/main" id="{46DE9384-979F-4271-8DD4-88B7F8EDCC1E}"/>
+              </a:ext>
+            </a:extLst>
+          </p:cNvPr>
+          <p:cNvSpPr/>
+          <p:nvPr/>
+        </p:nvSpPr>
+        <p:spPr>
+          <a:xfrm>
+            <a:off x="10193764" y="2858571"/>
+            <a:ext cx="275533" cy="296109"/>
+          </a:xfrm>
+          <a:prstGeom prst="ellipse">
+            <a:avLst/>
+          </a:prstGeom>
+          <a:solidFill>
+            <a:schemeClr val="tx1">
+              <a:lumMod val="95000"/>
+              <a:lumOff val="5000"/>
+            </a:schemeClr>
+          </a:solidFill>
+          <a:ln>
+            <a:solidFill>
+              <a:schemeClr val="accent1"/>
+            </a:solidFill>
+          </a:ln>
+        </p:spPr>
+        <p:style>
+          <a:lnRef idx="2">
+            <a:schemeClr val="accent1">
+              <a:shade val="50000"/>
+            </a:schemeClr>
+          </a:lnRef>
+          <a:fillRef idx="1">
+            <a:schemeClr val="accent1"/>
+          </a:fillRef>
+          <a:effectRef idx="0">
+            <a:schemeClr val="accent1"/>
+          </a:effectRef>
+          <a:fontRef idx="minor">
+            <a:schemeClr val="lt1"/>
+          </a:fontRef>
+        </p:style>
+        <p:txBody>
+          <a:bodyPr rtlCol="0" anchor="ctr"/>
+          <a:lstStyle/>
+          <a:p>
+            <a:pPr algn="ctr"/>
+            <a:endParaRPr lang="ko-KR" altLang="en-US"/>
+          </a:p>
+        </p:txBody>
+      </p:sp>
+      <p:sp>
+        <p:nvSpPr>
+          <p:cNvPr id="15" name="타원 14">
+            <a:extLst>
+              <a:ext uri="{FF2B5EF4-FFF2-40B4-BE49-F238E27FC236}">
+                <a16:creationId xmlns:a16="http://schemas.microsoft.com/office/drawing/2014/main" id="{5B805B50-16AE-4D93-826A-A4B9D677565E}"/>
+              </a:ext>
+            </a:extLst>
+          </p:cNvPr>
+          <p:cNvSpPr/>
+          <p:nvPr/>
+        </p:nvSpPr>
+        <p:spPr>
+          <a:xfrm>
+            <a:off x="8488456" y="3429005"/>
+            <a:ext cx="275533" cy="296109"/>
+          </a:xfrm>
+          <a:prstGeom prst="ellipse">
+            <a:avLst/>
+          </a:prstGeom>
+          <a:solidFill>
+            <a:schemeClr val="tx1">
+              <a:lumMod val="95000"/>
+              <a:lumOff val="5000"/>
+            </a:schemeClr>
+          </a:solidFill>
+          <a:ln>
+            <a:solidFill>
+              <a:schemeClr val="accent1"/>
+            </a:solidFill>
+          </a:ln>
+        </p:spPr>
+        <p:style>
+          <a:lnRef idx="2">
+            <a:schemeClr val="accent1">
+              <a:shade val="50000"/>
+            </a:schemeClr>
+          </a:lnRef>
+          <a:fillRef idx="1">
+            <a:schemeClr val="accent1"/>
+          </a:fillRef>
+          <a:effectRef idx="0">
+            <a:schemeClr val="accent1"/>
+          </a:effectRef>
+          <a:fontRef idx="minor">
+            <a:schemeClr val="lt1"/>
+          </a:fontRef>
+        </p:style>
+        <p:txBody>
+          <a:bodyPr rtlCol="0" anchor="ctr"/>
+          <a:lstStyle/>
+          <a:p>
+            <a:pPr algn="ctr"/>
+            <a:endParaRPr lang="ko-KR" altLang="en-US"/>
+          </a:p>
+        </p:txBody>
+      </p:sp>
+      <p:sp>
+        <p:nvSpPr>
+          <p:cNvPr id="16" name="타원 15">
+            <a:extLst>
+              <a:ext uri="{FF2B5EF4-FFF2-40B4-BE49-F238E27FC236}">
+                <a16:creationId xmlns:a16="http://schemas.microsoft.com/office/drawing/2014/main" id="{D68E43A3-7235-4C2A-938B-EE358051391C}"/>
+              </a:ext>
+            </a:extLst>
+          </p:cNvPr>
+          <p:cNvSpPr/>
+          <p:nvPr/>
+        </p:nvSpPr>
+        <p:spPr>
+          <a:xfrm>
+            <a:off x="8763989" y="3429004"/>
+            <a:ext cx="275533" cy="296109"/>
+          </a:xfrm>
+          <a:prstGeom prst="ellipse">
+            <a:avLst/>
+          </a:prstGeom>
+          <a:solidFill>
+            <a:schemeClr val="bg1"/>
+          </a:solidFill>
+          <a:ln>
+            <a:solidFill>
+              <a:schemeClr val="accent1"/>
+            </a:solidFill>
+          </a:ln>
+        </p:spPr>
+        <p:style>
+          <a:lnRef idx="2">
+            <a:schemeClr val="accent1">
+              <a:shade val="50000"/>
+            </a:schemeClr>
+          </a:lnRef>
+          <a:fillRef idx="1">
+            <a:schemeClr val="accent1"/>
+          </a:fillRef>
+          <a:effectRef idx="0">
+            <a:schemeClr val="accent1"/>
+          </a:effectRef>
+          <a:fontRef idx="minor">
+            <a:schemeClr val="lt1"/>
+          </a:fontRef>
+        </p:style>
+        <p:txBody>
+          <a:bodyPr rtlCol="0" anchor="ctr"/>
+          <a:lstStyle/>
+          <a:p>
+            <a:pPr algn="ctr"/>
+            <a:endParaRPr lang="ko-KR" altLang="en-US"/>
+          </a:p>
+        </p:txBody>
+      </p:sp>
+      <p:sp>
+        <p:nvSpPr>
+          <p:cNvPr id="17" name="타원 16">
+            <a:extLst>
+              <a:ext uri="{FF2B5EF4-FFF2-40B4-BE49-F238E27FC236}">
+                <a16:creationId xmlns:a16="http://schemas.microsoft.com/office/drawing/2014/main" id="{55FD083B-22D0-4640-ACCC-0C1011162655}"/>
+              </a:ext>
+            </a:extLst>
+          </p:cNvPr>
+          <p:cNvSpPr/>
+          <p:nvPr/>
+        </p:nvSpPr>
+        <p:spPr>
+          <a:xfrm>
+            <a:off x="9046626" y="3426021"/>
+            <a:ext cx="275533" cy="296109"/>
+          </a:xfrm>
+          <a:prstGeom prst="ellipse">
+            <a:avLst/>
+          </a:prstGeom>
+          <a:solidFill>
+            <a:schemeClr val="bg1"/>
+          </a:solidFill>
+          <a:ln>
+            <a:solidFill>
+              <a:schemeClr val="accent1"/>
+            </a:solidFill>
+          </a:ln>
+        </p:spPr>
+        <p:style>
+          <a:lnRef idx="2">
+            <a:schemeClr val="accent1">
+              <a:shade val="50000"/>
+            </a:schemeClr>
+          </a:lnRef>
+          <a:fillRef idx="1">
+            <a:schemeClr val="accent1"/>
+          </a:fillRef>
+          <a:effectRef idx="0">
+            <a:schemeClr val="accent1"/>
+          </a:effectRef>
+          <a:fontRef idx="minor">
+            <a:schemeClr val="lt1"/>
+          </a:fontRef>
+        </p:style>
+        <p:txBody>
+          <a:bodyPr rtlCol="0" anchor="ctr"/>
+          <a:lstStyle/>
+          <a:p>
+            <a:pPr algn="ctr"/>
+            <a:endParaRPr lang="ko-KR" altLang="en-US"/>
+          </a:p>
+        </p:txBody>
+      </p:sp>
+      <p:sp>
+        <p:nvSpPr>
+          <p:cNvPr id="18" name="타원 17">
+            <a:extLst>
+              <a:ext uri="{FF2B5EF4-FFF2-40B4-BE49-F238E27FC236}">
+                <a16:creationId xmlns:a16="http://schemas.microsoft.com/office/drawing/2014/main" id="{08D295EE-01EE-47F4-BDE1-93541D5FD934}"/>
+              </a:ext>
+            </a:extLst>
+          </p:cNvPr>
+          <p:cNvSpPr/>
+          <p:nvPr/>
+        </p:nvSpPr>
+        <p:spPr>
+          <a:xfrm>
+            <a:off x="9326866" y="3426021"/>
+            <a:ext cx="275533" cy="296109"/>
+          </a:xfrm>
+          <a:prstGeom prst="ellipse">
+            <a:avLst/>
+          </a:prstGeom>
+          <a:solidFill>
+            <a:schemeClr val="bg1"/>
+          </a:solidFill>
+          <a:ln>
+            <a:solidFill>
+              <a:schemeClr val="accent1"/>
+            </a:solidFill>
+          </a:ln>
+        </p:spPr>
+        <p:style>
+          <a:lnRef idx="2">
+            <a:schemeClr val="accent1">
+              <a:shade val="50000"/>
+            </a:schemeClr>
+          </a:lnRef>
+          <a:fillRef idx="1">
+            <a:schemeClr val="accent1"/>
+          </a:fillRef>
+          <a:effectRef idx="0">
+            <a:schemeClr val="accent1"/>
+          </a:effectRef>
+          <a:fontRef idx="minor">
+            <a:schemeClr val="lt1"/>
+          </a:fontRef>
+        </p:style>
+        <p:txBody>
+          <a:bodyPr rtlCol="0" anchor="ctr"/>
+          <a:lstStyle/>
+          <a:p>
+            <a:pPr algn="ctr"/>
+            <a:endParaRPr lang="ko-KR" altLang="en-US"/>
+          </a:p>
+        </p:txBody>
+      </p:sp>
+      <p:sp>
+        <p:nvSpPr>
+          <p:cNvPr id="19" name="타원 18">
+            <a:extLst>
+              <a:ext uri="{FF2B5EF4-FFF2-40B4-BE49-F238E27FC236}">
+                <a16:creationId xmlns:a16="http://schemas.microsoft.com/office/drawing/2014/main" id="{7CA43D36-8521-463B-9001-98DFA5CD3953}"/>
+              </a:ext>
+            </a:extLst>
+          </p:cNvPr>
+          <p:cNvSpPr/>
+          <p:nvPr/>
+        </p:nvSpPr>
+        <p:spPr>
+          <a:xfrm>
+            <a:off x="9911935" y="3429001"/>
+            <a:ext cx="275533" cy="296109"/>
+          </a:xfrm>
+          <a:prstGeom prst="ellipse">
+            <a:avLst/>
+          </a:prstGeom>
+          <a:solidFill>
+            <a:schemeClr val="bg1"/>
+          </a:solidFill>
+          <a:ln>
+            <a:solidFill>
+              <a:schemeClr val="accent1"/>
+            </a:solidFill>
+          </a:ln>
+        </p:spPr>
+        <p:style>
+          <a:lnRef idx="2">
+            <a:schemeClr val="accent1">
+              <a:shade val="50000"/>
+            </a:schemeClr>
+          </a:lnRef>
+          <a:fillRef idx="1">
+            <a:schemeClr val="accent1"/>
+          </a:fillRef>
+          <a:effectRef idx="0">
+            <a:schemeClr val="accent1"/>
+          </a:effectRef>
+          <a:fontRef idx="minor">
+            <a:schemeClr val="lt1"/>
+          </a:fontRef>
+        </p:style>
+        <p:txBody>
+          <a:bodyPr rtlCol="0" anchor="ctr"/>
+          <a:lstStyle/>
+          <a:p>
+            <a:pPr algn="ctr"/>
+            <a:endParaRPr lang="ko-KR" altLang="en-US"/>
+          </a:p>
+        </p:txBody>
+      </p:sp>
+      <p:sp>
+        <p:nvSpPr>
+          <p:cNvPr id="20" name="타원 19">
+            <a:extLst>
+              <a:ext uri="{FF2B5EF4-FFF2-40B4-BE49-F238E27FC236}">
+                <a16:creationId xmlns:a16="http://schemas.microsoft.com/office/drawing/2014/main" id="{DD1D5CEF-ECC7-462B-8B96-E42209E7A1AC}"/>
+              </a:ext>
+            </a:extLst>
+          </p:cNvPr>
+          <p:cNvSpPr/>
+          <p:nvPr/>
+        </p:nvSpPr>
+        <p:spPr>
+          <a:xfrm>
+            <a:off x="10193764" y="3429000"/>
+            <a:ext cx="275533" cy="296109"/>
+          </a:xfrm>
+          <a:prstGeom prst="ellipse">
+            <a:avLst/>
+          </a:prstGeom>
+          <a:solidFill>
+            <a:schemeClr val="tx1">
+              <a:lumMod val="95000"/>
+              <a:lumOff val="5000"/>
+            </a:schemeClr>
+          </a:solidFill>
+          <a:ln>
+            <a:solidFill>
+              <a:schemeClr val="accent1"/>
+            </a:solidFill>
+          </a:ln>
+        </p:spPr>
+        <p:style>
+          <a:lnRef idx="2">
+            <a:schemeClr val="accent1">
+              <a:shade val="50000"/>
+            </a:schemeClr>
+          </a:lnRef>
+          <a:fillRef idx="1">
+            <a:schemeClr val="accent1"/>
+          </a:fillRef>
+          <a:effectRef idx="0">
+            <a:schemeClr val="accent1"/>
+          </a:effectRef>
+          <a:fontRef idx="minor">
+            <a:schemeClr val="lt1"/>
+          </a:fontRef>
+        </p:style>
+        <p:txBody>
+          <a:bodyPr rtlCol="0" anchor="ctr"/>
+          <a:lstStyle/>
+          <a:p>
+            <a:pPr algn="ctr"/>
+            <a:endParaRPr lang="ko-KR" altLang="en-US"/>
+          </a:p>
+        </p:txBody>
+      </p:sp>
+      <p:sp>
+        <p:nvSpPr>
+          <p:cNvPr id="21" name="타원 20">
+            <a:extLst>
+              <a:ext uri="{FF2B5EF4-FFF2-40B4-BE49-F238E27FC236}">
+                <a16:creationId xmlns:a16="http://schemas.microsoft.com/office/drawing/2014/main" id="{1D56035D-91FC-473C-9262-4856361FD522}"/>
+              </a:ext>
+            </a:extLst>
+          </p:cNvPr>
+          <p:cNvSpPr/>
+          <p:nvPr/>
+        </p:nvSpPr>
+        <p:spPr>
+          <a:xfrm>
+            <a:off x="2040576" y="1427587"/>
+            <a:ext cx="275533" cy="296109"/>
+          </a:xfrm>
+          <a:prstGeom prst="ellipse">
+            <a:avLst/>
+          </a:prstGeom>
+          <a:noFill/>
+          <a:ln>
+            <a:solidFill>
+              <a:schemeClr val="tx1"/>
+            </a:solidFill>
+          </a:ln>
+        </p:spPr>
+        <p:style>
+          <a:lnRef idx="2">
+            <a:schemeClr val="accent1">
+              <a:shade val="50000"/>
+            </a:schemeClr>
+          </a:lnRef>
+          <a:fillRef idx="1">
+            <a:schemeClr val="accent1"/>
+          </a:fillRef>
+          <a:effectRef idx="0">
+            <a:schemeClr val="accent1"/>
+          </a:effectRef>
+          <a:fontRef idx="minor">
+            <a:schemeClr val="lt1"/>
+          </a:fontRef>
+        </p:style>
+        <p:txBody>
+          <a:bodyPr rtlCol="0" anchor="ctr"/>
+          <a:lstStyle/>
+          <a:p>
+            <a:pPr algn="ctr"/>
+            <a:endParaRPr lang="ko-KR" altLang="en-US"/>
+          </a:p>
+        </p:txBody>
+      </p:sp>
+      <p:sp>
+        <p:nvSpPr>
+          <p:cNvPr id="22" name="타원 21">
+            <a:extLst>
+              <a:ext uri="{FF2B5EF4-FFF2-40B4-BE49-F238E27FC236}">
+                <a16:creationId xmlns:a16="http://schemas.microsoft.com/office/drawing/2014/main" id="{31F9EB70-0092-4AA3-BF31-BB89724BA6F8}"/>
+              </a:ext>
+            </a:extLst>
+          </p:cNvPr>
+          <p:cNvSpPr/>
+          <p:nvPr/>
+        </p:nvSpPr>
+        <p:spPr>
+          <a:xfrm>
+            <a:off x="2316109" y="1427586"/>
+            <a:ext cx="275533" cy="296109"/>
+          </a:xfrm>
+          <a:prstGeom prst="ellipse">
+            <a:avLst/>
+          </a:prstGeom>
+          <a:solidFill>
+            <a:schemeClr val="tx1">
+              <a:lumMod val="95000"/>
+              <a:lumOff val="5000"/>
+            </a:schemeClr>
+          </a:solidFill>
+          <a:ln>
+            <a:solidFill>
+              <a:schemeClr val="accent1"/>
+            </a:solidFill>
+          </a:ln>
+        </p:spPr>
+        <p:style>
+          <a:lnRef idx="2">
+            <a:schemeClr val="accent1">
+              <a:shade val="50000"/>
+            </a:schemeClr>
+          </a:lnRef>
+          <a:fillRef idx="1">
+            <a:schemeClr val="accent1"/>
+          </a:fillRef>
+          <a:effectRef idx="0">
+            <a:schemeClr val="accent1"/>
+          </a:effectRef>
+          <a:fontRef idx="minor">
+            <a:schemeClr val="lt1"/>
+          </a:fontRef>
+        </p:style>
+        <p:txBody>
+          <a:bodyPr rtlCol="0" anchor="ctr"/>
+          <a:lstStyle/>
+          <a:p>
+            <a:pPr algn="ctr"/>
+            <a:endParaRPr lang="ko-KR" altLang="en-US"/>
+          </a:p>
+        </p:txBody>
+      </p:sp>
+      <p:sp>
+        <p:nvSpPr>
+          <p:cNvPr id="23" name="타원 22">
+            <a:extLst>
+              <a:ext uri="{FF2B5EF4-FFF2-40B4-BE49-F238E27FC236}">
+                <a16:creationId xmlns:a16="http://schemas.microsoft.com/office/drawing/2014/main" id="{9AA8A11F-B890-4BCE-AA85-811F093F29B2}"/>
+              </a:ext>
+            </a:extLst>
+          </p:cNvPr>
+          <p:cNvSpPr/>
+          <p:nvPr/>
+        </p:nvSpPr>
+        <p:spPr>
+          <a:xfrm>
+            <a:off x="2591642" y="1427585"/>
+            <a:ext cx="275533" cy="296109"/>
+          </a:xfrm>
+          <a:prstGeom prst="ellipse">
+            <a:avLst/>
+          </a:prstGeom>
+          <a:solidFill>
+            <a:schemeClr val="tx1">
+              <a:lumMod val="95000"/>
+              <a:lumOff val="5000"/>
+            </a:schemeClr>
+          </a:solidFill>
+          <a:ln>
+            <a:solidFill>
+              <a:schemeClr val="accent1"/>
+            </a:solidFill>
+          </a:ln>
+        </p:spPr>
+        <p:style>
+          <a:lnRef idx="2">
+            <a:schemeClr val="accent1">
+              <a:shade val="50000"/>
+            </a:schemeClr>
+          </a:lnRef>
+          <a:fillRef idx="1">
+            <a:schemeClr val="accent1"/>
+          </a:fillRef>
+          <a:effectRef idx="0">
+            <a:schemeClr val="accent1"/>
+          </a:effectRef>
+          <a:fontRef idx="minor">
+            <a:schemeClr val="lt1"/>
+          </a:fontRef>
+        </p:style>
+        <p:txBody>
+          <a:bodyPr rtlCol="0" anchor="ctr"/>
+          <a:lstStyle/>
+          <a:p>
+            <a:pPr algn="ctr"/>
+            <a:endParaRPr lang="ko-KR" altLang="en-US"/>
+          </a:p>
+        </p:txBody>
+      </p:sp>
+      <p:sp>
+        <p:nvSpPr>
+          <p:cNvPr id="24" name="타원 23">
+            <a:extLst>
+              <a:ext uri="{FF2B5EF4-FFF2-40B4-BE49-F238E27FC236}">
+                <a16:creationId xmlns:a16="http://schemas.microsoft.com/office/drawing/2014/main" id="{63F2B098-62F2-4F76-9AF4-BBB6031AC541}"/>
+              </a:ext>
+            </a:extLst>
+          </p:cNvPr>
+          <p:cNvSpPr/>
+          <p:nvPr/>
+        </p:nvSpPr>
+        <p:spPr>
+          <a:xfrm>
+            <a:off x="2873364" y="1427583"/>
+            <a:ext cx="275533" cy="296109"/>
+          </a:xfrm>
+          <a:prstGeom prst="ellipse">
+            <a:avLst/>
+          </a:prstGeom>
+          <a:solidFill>
+            <a:schemeClr val="tx1">
+              <a:lumMod val="95000"/>
+              <a:lumOff val="5000"/>
+            </a:schemeClr>
+          </a:solidFill>
+          <a:ln>
+            <a:solidFill>
+              <a:schemeClr val="accent1"/>
+            </a:solidFill>
+          </a:ln>
+        </p:spPr>
+        <p:style>
+          <a:lnRef idx="2">
+            <a:schemeClr val="accent1">
+              <a:shade val="50000"/>
+            </a:schemeClr>
+          </a:lnRef>
+          <a:fillRef idx="1">
+            <a:schemeClr val="accent1"/>
+          </a:fillRef>
+          <a:effectRef idx="0">
+            <a:schemeClr val="accent1"/>
+          </a:effectRef>
+          <a:fontRef idx="minor">
+            <a:schemeClr val="lt1"/>
+          </a:fontRef>
+        </p:style>
+        <p:txBody>
+          <a:bodyPr rtlCol="0" anchor="ctr"/>
+          <a:lstStyle/>
+          <a:p>
+            <a:pPr algn="ctr"/>
+            <a:endParaRPr lang="ko-KR" altLang="en-US"/>
+          </a:p>
+        </p:txBody>
+      </p:sp>
+      <p:sp>
+        <p:nvSpPr>
+          <p:cNvPr id="25" name="타원 24">
+            <a:extLst>
+              <a:ext uri="{FF2B5EF4-FFF2-40B4-BE49-F238E27FC236}">
+                <a16:creationId xmlns:a16="http://schemas.microsoft.com/office/drawing/2014/main" id="{1C219E70-3BAD-4D0F-8099-0C8DD5CAA02C}"/>
+              </a:ext>
+            </a:extLst>
+          </p:cNvPr>
+          <p:cNvSpPr/>
+          <p:nvPr/>
+        </p:nvSpPr>
+        <p:spPr>
+          <a:xfrm>
+            <a:off x="3167427" y="1427584"/>
+            <a:ext cx="275533" cy="296109"/>
+          </a:xfrm>
+          <a:prstGeom prst="ellipse">
+            <a:avLst/>
+          </a:prstGeom>
+          <a:solidFill>
+            <a:schemeClr val="tx1">
+              <a:lumMod val="95000"/>
+              <a:lumOff val="5000"/>
+            </a:schemeClr>
+          </a:solidFill>
+          <a:ln>
+            <a:solidFill>
+              <a:schemeClr val="accent1"/>
+            </a:solidFill>
+          </a:ln>
+        </p:spPr>
+        <p:style>
+          <a:lnRef idx="2">
+            <a:schemeClr val="accent1">
+              <a:shade val="50000"/>
+            </a:schemeClr>
+          </a:lnRef>
+          <a:fillRef idx="1">
+            <a:schemeClr val="accent1"/>
+          </a:fillRef>
+          <a:effectRef idx="0">
+            <a:schemeClr val="accent1"/>
+          </a:effectRef>
+          <a:fontRef idx="minor">
+            <a:schemeClr val="lt1"/>
+          </a:fontRef>
+        </p:style>
+        <p:txBody>
+          <a:bodyPr rtlCol="0" anchor="ctr"/>
+          <a:lstStyle/>
+          <a:p>
+            <a:pPr algn="ctr"/>
+            <a:endParaRPr lang="ko-KR" altLang="en-US"/>
+          </a:p>
+        </p:txBody>
+      </p:sp>
+      <p:sp>
+        <p:nvSpPr>
+          <p:cNvPr id="26" name="타원 25">
+            <a:extLst>
+              <a:ext uri="{FF2B5EF4-FFF2-40B4-BE49-F238E27FC236}">
+                <a16:creationId xmlns:a16="http://schemas.microsoft.com/office/drawing/2014/main" id="{19F6F87D-2BEF-43E8-87EB-C930CCCE150A}"/>
+              </a:ext>
+            </a:extLst>
+          </p:cNvPr>
+          <p:cNvSpPr/>
+          <p:nvPr/>
+        </p:nvSpPr>
+        <p:spPr>
+          <a:xfrm>
+            <a:off x="3462879" y="1427582"/>
+            <a:ext cx="275533" cy="296109"/>
+          </a:xfrm>
+          <a:prstGeom prst="ellipse">
+            <a:avLst/>
+          </a:prstGeom>
+          <a:noFill/>
+          <a:ln>
+            <a:solidFill>
+              <a:schemeClr val="tx1"/>
+            </a:solidFill>
+          </a:ln>
+        </p:spPr>
+        <p:style>
+          <a:lnRef idx="2">
+            <a:schemeClr val="accent1">
+              <a:shade val="50000"/>
+            </a:schemeClr>
+          </a:lnRef>
+          <a:fillRef idx="1">
+            <a:schemeClr val="accent1"/>
+          </a:fillRef>
+          <a:effectRef idx="0">
+            <a:schemeClr val="accent1"/>
+          </a:effectRef>
+          <a:fontRef idx="minor">
+            <a:schemeClr val="lt1"/>
+          </a:fontRef>
+        </p:style>
+        <p:txBody>
+          <a:bodyPr rtlCol="0" anchor="ctr"/>
+          <a:lstStyle/>
+          <a:p>
+            <a:pPr algn="ctr"/>
+            <a:endParaRPr lang="ko-KR" altLang="en-US"/>
+          </a:p>
+        </p:txBody>
+      </p:sp>
+      <p:sp>
+        <p:nvSpPr>
+          <p:cNvPr id="27" name="타원 26">
+            <a:extLst>
+              <a:ext uri="{FF2B5EF4-FFF2-40B4-BE49-F238E27FC236}">
+                <a16:creationId xmlns:a16="http://schemas.microsoft.com/office/drawing/2014/main" id="{A24655CC-3C75-47E3-A2DD-29C6B834EBCA}"/>
+              </a:ext>
+            </a:extLst>
+          </p:cNvPr>
+          <p:cNvSpPr/>
+          <p:nvPr/>
+        </p:nvSpPr>
+        <p:spPr>
+          <a:xfrm>
+            <a:off x="2891894" y="1983511"/>
+            <a:ext cx="275533" cy="296109"/>
+          </a:xfrm>
+          <a:prstGeom prst="ellipse">
+            <a:avLst/>
+          </a:prstGeom>
+          <a:noFill/>
+          <a:ln>
+            <a:solidFill>
+              <a:schemeClr val="tx1"/>
+            </a:solidFill>
+          </a:ln>
+        </p:spPr>
+        <p:style>
+          <a:lnRef idx="2">
+            <a:schemeClr val="accent1">
+              <a:shade val="50000"/>
+            </a:schemeClr>
+          </a:lnRef>
+          <a:fillRef idx="1">
+            <a:schemeClr val="accent1"/>
+          </a:fillRef>
+          <a:effectRef idx="0">
+            <a:schemeClr val="accent1"/>
+          </a:effectRef>
+          <a:fontRef idx="minor">
+            <a:schemeClr val="lt1"/>
+          </a:fontRef>
+        </p:style>
+        <p:txBody>
+          <a:bodyPr rtlCol="0" anchor="ctr"/>
+          <a:lstStyle/>
+          <a:p>
+            <a:pPr algn="ctr"/>
+            <a:endParaRPr lang="ko-KR" altLang="en-US"/>
+          </a:p>
+        </p:txBody>
+      </p:sp>
+      <p:sp>
+        <p:nvSpPr>
+          <p:cNvPr id="28" name="타원 27">
+            <a:extLst>
+              <a:ext uri="{FF2B5EF4-FFF2-40B4-BE49-F238E27FC236}">
+                <a16:creationId xmlns:a16="http://schemas.microsoft.com/office/drawing/2014/main" id="{E7FA2173-1E3F-4031-AA3C-15090C88A4A3}"/>
+              </a:ext>
+            </a:extLst>
+          </p:cNvPr>
+          <p:cNvSpPr/>
+          <p:nvPr/>
+        </p:nvSpPr>
+        <p:spPr>
+          <a:xfrm>
+            <a:off x="2342004" y="1983516"/>
+            <a:ext cx="275533" cy="296109"/>
+          </a:xfrm>
+          <a:prstGeom prst="ellipse">
+            <a:avLst/>
+          </a:prstGeom>
+          <a:solidFill>
+            <a:schemeClr val="tx1">
+              <a:lumMod val="95000"/>
+              <a:lumOff val="5000"/>
+            </a:schemeClr>
+          </a:solidFill>
+          <a:ln>
+            <a:solidFill>
+              <a:schemeClr val="accent1"/>
+            </a:solidFill>
+          </a:ln>
+        </p:spPr>
+        <p:style>
+          <a:lnRef idx="2">
+            <a:schemeClr val="accent1">
+              <a:shade val="50000"/>
+            </a:schemeClr>
+          </a:lnRef>
+          <a:fillRef idx="1">
+            <a:schemeClr val="accent1"/>
+          </a:fillRef>
+          <a:effectRef idx="0">
+            <a:schemeClr val="accent1"/>
+          </a:effectRef>
+          <a:fontRef idx="minor">
+            <a:schemeClr val="lt1"/>
+          </a:fontRef>
+        </p:style>
+        <p:txBody>
+          <a:bodyPr rtlCol="0" anchor="ctr"/>
+          <a:lstStyle/>
+          <a:p>
+            <a:pPr algn="ctr"/>
+            <a:endParaRPr lang="ko-KR" altLang="en-US"/>
+          </a:p>
+        </p:txBody>
+      </p:sp>
+      <p:sp>
+        <p:nvSpPr>
+          <p:cNvPr id="29" name="타원 28">
+            <a:extLst>
+              <a:ext uri="{FF2B5EF4-FFF2-40B4-BE49-F238E27FC236}">
+                <a16:creationId xmlns:a16="http://schemas.microsoft.com/office/drawing/2014/main" id="{DE743D6E-181B-4AA1-8274-BB5227FD7E5E}"/>
+              </a:ext>
+            </a:extLst>
+          </p:cNvPr>
+          <p:cNvSpPr/>
+          <p:nvPr/>
+        </p:nvSpPr>
+        <p:spPr>
+          <a:xfrm>
+            <a:off x="2617537" y="1983515"/>
+            <a:ext cx="275533" cy="296109"/>
+          </a:xfrm>
+          <a:prstGeom prst="ellipse">
+            <a:avLst/>
+          </a:prstGeom>
+          <a:solidFill>
+            <a:schemeClr val="tx1">
+              <a:lumMod val="95000"/>
+              <a:lumOff val="5000"/>
+            </a:schemeClr>
+          </a:solidFill>
+          <a:ln>
+            <a:solidFill>
+              <a:schemeClr val="accent1"/>
+            </a:solidFill>
+          </a:ln>
+        </p:spPr>
+        <p:style>
+          <a:lnRef idx="2">
+            <a:schemeClr val="accent1">
+              <a:shade val="50000"/>
+            </a:schemeClr>
+          </a:lnRef>
+          <a:fillRef idx="1">
+            <a:schemeClr val="accent1"/>
+          </a:fillRef>
+          <a:effectRef idx="0">
+            <a:schemeClr val="accent1"/>
+          </a:effectRef>
+          <a:fontRef idx="minor">
+            <a:schemeClr val="lt1"/>
+          </a:fontRef>
+        </p:style>
+        <p:txBody>
+          <a:bodyPr rtlCol="0" anchor="ctr"/>
+          <a:lstStyle/>
+          <a:p>
+            <a:pPr algn="ctr"/>
+            <a:endParaRPr lang="ko-KR" altLang="en-US"/>
+          </a:p>
+        </p:txBody>
+      </p:sp>
+      <p:sp>
+        <p:nvSpPr>
+          <p:cNvPr id="30" name="타원 29">
+            <a:extLst>
+              <a:ext uri="{FF2B5EF4-FFF2-40B4-BE49-F238E27FC236}">
+                <a16:creationId xmlns:a16="http://schemas.microsoft.com/office/drawing/2014/main" id="{4798F8FE-65D0-4BEC-8EDF-A0300167B8CD}"/>
+              </a:ext>
+            </a:extLst>
+          </p:cNvPr>
+          <p:cNvSpPr/>
+          <p:nvPr/>
+        </p:nvSpPr>
+        <p:spPr>
+          <a:xfrm>
+            <a:off x="2060176" y="1992045"/>
+            <a:ext cx="275533" cy="296109"/>
+          </a:xfrm>
+          <a:prstGeom prst="ellipse">
+            <a:avLst/>
+          </a:prstGeom>
+          <a:solidFill>
+            <a:schemeClr val="tx1">
+              <a:lumMod val="95000"/>
+              <a:lumOff val="5000"/>
+            </a:schemeClr>
+          </a:solidFill>
+          <a:ln>
+            <a:solidFill>
+              <a:schemeClr val="accent1"/>
+            </a:solidFill>
+          </a:ln>
+        </p:spPr>
+        <p:style>
+          <a:lnRef idx="2">
+            <a:schemeClr val="accent1">
+              <a:shade val="50000"/>
+            </a:schemeClr>
+          </a:lnRef>
+          <a:fillRef idx="1">
+            <a:schemeClr val="accent1"/>
+          </a:fillRef>
+          <a:effectRef idx="0">
+            <a:schemeClr val="accent1"/>
+          </a:effectRef>
+          <a:fontRef idx="minor">
+            <a:schemeClr val="lt1"/>
+          </a:fontRef>
+        </p:style>
+        <p:txBody>
+          <a:bodyPr rtlCol="0" anchor="ctr"/>
+          <a:lstStyle/>
+          <a:p>
+            <a:pPr algn="ctr"/>
+            <a:endParaRPr lang="ko-KR" altLang="en-US"/>
+          </a:p>
+        </p:txBody>
+      </p:sp>
+      <p:sp>
+        <p:nvSpPr>
+          <p:cNvPr id="31" name="타원 30">
+            <a:extLst>
+              <a:ext uri="{FF2B5EF4-FFF2-40B4-BE49-F238E27FC236}">
+                <a16:creationId xmlns:a16="http://schemas.microsoft.com/office/drawing/2014/main" id="{DB9E0612-003B-41F9-9366-627A5B0621B0}"/>
+              </a:ext>
+            </a:extLst>
+          </p:cNvPr>
+          <p:cNvSpPr/>
+          <p:nvPr/>
+        </p:nvSpPr>
+        <p:spPr>
+          <a:xfrm>
+            <a:off x="3193322" y="1983514"/>
+            <a:ext cx="275533" cy="296109"/>
+          </a:xfrm>
+          <a:prstGeom prst="ellipse">
+            <a:avLst/>
+          </a:prstGeom>
+          <a:solidFill>
+            <a:schemeClr val="tx1">
+              <a:lumMod val="95000"/>
+              <a:lumOff val="5000"/>
+            </a:schemeClr>
+          </a:solidFill>
+          <a:ln>
+            <a:solidFill>
+              <a:schemeClr val="accent1"/>
+            </a:solidFill>
+          </a:ln>
+        </p:spPr>
+        <p:style>
+          <a:lnRef idx="2">
+            <a:schemeClr val="accent1">
+              <a:shade val="50000"/>
+            </a:schemeClr>
+          </a:lnRef>
+          <a:fillRef idx="1">
+            <a:schemeClr val="accent1"/>
+          </a:fillRef>
+          <a:effectRef idx="0">
+            <a:schemeClr val="accent1"/>
+          </a:effectRef>
+          <a:fontRef idx="minor">
+            <a:schemeClr val="lt1"/>
+          </a:fontRef>
+        </p:style>
+        <p:txBody>
+          <a:bodyPr rtlCol="0" anchor="ctr"/>
+          <a:lstStyle/>
+          <a:p>
+            <a:pPr algn="ctr"/>
+            <a:endParaRPr lang="ko-KR" altLang="en-US"/>
+          </a:p>
+        </p:txBody>
+      </p:sp>
+      <p:sp>
+        <p:nvSpPr>
+          <p:cNvPr id="33" name="타원 32">
+            <a:extLst>
+              <a:ext uri="{FF2B5EF4-FFF2-40B4-BE49-F238E27FC236}">
+                <a16:creationId xmlns:a16="http://schemas.microsoft.com/office/drawing/2014/main" id="{A4B6EECD-52FE-4B49-9A17-77231B2352EB}"/>
+              </a:ext>
+            </a:extLst>
+          </p:cNvPr>
+          <p:cNvSpPr/>
+          <p:nvPr/>
+        </p:nvSpPr>
+        <p:spPr>
+          <a:xfrm>
+            <a:off x="3497463" y="1992045"/>
+            <a:ext cx="275533" cy="296109"/>
+          </a:xfrm>
+          <a:prstGeom prst="ellipse">
+            <a:avLst/>
+          </a:prstGeom>
+          <a:solidFill>
+            <a:schemeClr val="bg1"/>
+          </a:solidFill>
+          <a:ln>
+            <a:solidFill>
+              <a:schemeClr val="accent1"/>
+            </a:solidFill>
+          </a:ln>
+        </p:spPr>
+        <p:style>
+          <a:lnRef idx="2">
+            <a:schemeClr val="accent1">
+              <a:shade val="50000"/>
+            </a:schemeClr>
+          </a:lnRef>
+          <a:fillRef idx="1">
+            <a:schemeClr val="accent1"/>
+          </a:fillRef>
+          <a:effectRef idx="0">
+            <a:schemeClr val="accent1"/>
+          </a:effectRef>
+          <a:fontRef idx="minor">
+            <a:schemeClr val="lt1"/>
+          </a:fontRef>
+        </p:style>
+        <p:txBody>
+          <a:bodyPr rtlCol="0" anchor="ctr"/>
+          <a:lstStyle/>
+          <a:p>
+            <a:pPr algn="ctr"/>
+            <a:endParaRPr lang="ko-KR" altLang="en-US"/>
+          </a:p>
+        </p:txBody>
+      </p:sp>
+      <p:sp>
+        <p:nvSpPr>
+          <p:cNvPr id="34" name="타원 33">
+            <a:extLst>
+              <a:ext uri="{FF2B5EF4-FFF2-40B4-BE49-F238E27FC236}">
+                <a16:creationId xmlns:a16="http://schemas.microsoft.com/office/drawing/2014/main" id="{9D076FF8-7F46-4049-82B0-3ECDEF2056FD}"/>
+              </a:ext>
+            </a:extLst>
+          </p:cNvPr>
+          <p:cNvSpPr/>
+          <p:nvPr/>
+        </p:nvSpPr>
+        <p:spPr>
+          <a:xfrm>
+            <a:off x="2608193" y="2556506"/>
+            <a:ext cx="275533" cy="296109"/>
+          </a:xfrm>
+          <a:prstGeom prst="ellipse">
+            <a:avLst/>
+          </a:prstGeom>
+          <a:noFill/>
+          <a:ln>
+            <a:solidFill>
+              <a:schemeClr val="tx1"/>
+            </a:solidFill>
+          </a:ln>
+        </p:spPr>
+        <p:style>
+          <a:lnRef idx="2">
+            <a:schemeClr val="accent1">
+              <a:shade val="50000"/>
+            </a:schemeClr>
+          </a:lnRef>
+          <a:fillRef idx="1">
+            <a:schemeClr val="accent1"/>
+          </a:fillRef>
+          <a:effectRef idx="0">
+            <a:schemeClr val="accent1"/>
+          </a:effectRef>
+          <a:fontRef idx="minor">
+            <a:schemeClr val="lt1"/>
+          </a:fontRef>
+        </p:style>
+        <p:txBody>
+          <a:bodyPr rtlCol="0" anchor="ctr"/>
+          <a:lstStyle/>
+          <a:p>
+            <a:pPr algn="ctr"/>
+            <a:endParaRPr lang="ko-KR" altLang="en-US"/>
+          </a:p>
+        </p:txBody>
+      </p:sp>
+      <p:sp>
+        <p:nvSpPr>
+          <p:cNvPr id="35" name="타원 34">
+            <a:extLst>
+              <a:ext uri="{FF2B5EF4-FFF2-40B4-BE49-F238E27FC236}">
+                <a16:creationId xmlns:a16="http://schemas.microsoft.com/office/drawing/2014/main" id="{225AEAD6-890B-44A1-A8D3-E717A35776E9}"/>
+              </a:ext>
+            </a:extLst>
+          </p:cNvPr>
+          <p:cNvSpPr/>
+          <p:nvPr/>
+        </p:nvSpPr>
+        <p:spPr>
+          <a:xfrm>
+            <a:off x="2342004" y="2556512"/>
+            <a:ext cx="275533" cy="296109"/>
+          </a:xfrm>
+          <a:prstGeom prst="ellipse">
+            <a:avLst/>
+          </a:prstGeom>
+          <a:solidFill>
+            <a:schemeClr val="tx1">
+              <a:lumMod val="95000"/>
+              <a:lumOff val="5000"/>
+            </a:schemeClr>
+          </a:solidFill>
+          <a:ln>
+            <a:solidFill>
+              <a:schemeClr val="accent1"/>
+            </a:solidFill>
+          </a:ln>
+        </p:spPr>
+        <p:style>
+          <a:lnRef idx="2">
+            <a:schemeClr val="accent1">
+              <a:shade val="50000"/>
+            </a:schemeClr>
+          </a:lnRef>
+          <a:fillRef idx="1">
+            <a:schemeClr val="accent1"/>
+          </a:fillRef>
+          <a:effectRef idx="0">
+            <a:schemeClr val="accent1"/>
+          </a:effectRef>
+          <a:fontRef idx="minor">
+            <a:schemeClr val="lt1"/>
+          </a:fontRef>
+        </p:style>
+        <p:txBody>
+          <a:bodyPr rtlCol="0" anchor="ctr"/>
+          <a:lstStyle/>
+          <a:p>
+            <a:pPr algn="ctr"/>
+            <a:endParaRPr lang="ko-KR" altLang="en-US"/>
+          </a:p>
+        </p:txBody>
+      </p:sp>
+      <p:sp>
+        <p:nvSpPr>
+          <p:cNvPr id="36" name="타원 35">
+            <a:extLst>
+              <a:ext uri="{FF2B5EF4-FFF2-40B4-BE49-F238E27FC236}">
+                <a16:creationId xmlns:a16="http://schemas.microsoft.com/office/drawing/2014/main" id="{7F8BF19C-5887-46BA-80C6-062F1926B0D3}"/>
+              </a:ext>
+            </a:extLst>
+          </p:cNvPr>
+          <p:cNvSpPr/>
+          <p:nvPr/>
+        </p:nvSpPr>
+        <p:spPr>
+          <a:xfrm>
+            <a:off x="2903485" y="2565041"/>
+            <a:ext cx="275533" cy="296109"/>
+          </a:xfrm>
+          <a:prstGeom prst="ellipse">
+            <a:avLst/>
+          </a:prstGeom>
+          <a:solidFill>
+            <a:schemeClr val="tx1">
+              <a:lumMod val="95000"/>
+              <a:lumOff val="5000"/>
+            </a:schemeClr>
+          </a:solidFill>
+          <a:ln>
+            <a:solidFill>
+              <a:schemeClr val="accent1"/>
+            </a:solidFill>
+          </a:ln>
+        </p:spPr>
+        <p:style>
+          <a:lnRef idx="2">
+            <a:schemeClr val="accent1">
+              <a:shade val="50000"/>
+            </a:schemeClr>
+          </a:lnRef>
+          <a:fillRef idx="1">
+            <a:schemeClr val="accent1"/>
+          </a:fillRef>
+          <a:effectRef idx="0">
+            <a:schemeClr val="accent1"/>
+          </a:effectRef>
+          <a:fontRef idx="minor">
+            <a:schemeClr val="lt1"/>
+          </a:fontRef>
+        </p:style>
+        <p:txBody>
+          <a:bodyPr rtlCol="0" anchor="ctr"/>
+          <a:lstStyle/>
+          <a:p>
+            <a:pPr algn="ctr"/>
+            <a:endParaRPr lang="ko-KR" altLang="en-US"/>
+          </a:p>
+        </p:txBody>
+      </p:sp>
+      <p:sp>
+        <p:nvSpPr>
+          <p:cNvPr id="37" name="타원 36">
+            <a:extLst>
+              <a:ext uri="{FF2B5EF4-FFF2-40B4-BE49-F238E27FC236}">
+                <a16:creationId xmlns:a16="http://schemas.microsoft.com/office/drawing/2014/main" id="{EE02B6CC-13C7-49C9-9CDF-E7761103C031}"/>
+              </a:ext>
+            </a:extLst>
+          </p:cNvPr>
+          <p:cNvSpPr/>
+          <p:nvPr/>
+        </p:nvSpPr>
+        <p:spPr>
+          <a:xfrm>
+            <a:off x="2060176" y="2565041"/>
+            <a:ext cx="275533" cy="296109"/>
+          </a:xfrm>
+          <a:prstGeom prst="ellipse">
+            <a:avLst/>
+          </a:prstGeom>
+          <a:solidFill>
+            <a:schemeClr val="tx1">
+              <a:lumMod val="95000"/>
+              <a:lumOff val="5000"/>
+            </a:schemeClr>
+          </a:solidFill>
+          <a:ln>
+            <a:solidFill>
+              <a:schemeClr val="accent1"/>
+            </a:solidFill>
+          </a:ln>
+        </p:spPr>
+        <p:style>
+          <a:lnRef idx="2">
+            <a:schemeClr val="accent1">
+              <a:shade val="50000"/>
+            </a:schemeClr>
+          </a:lnRef>
+          <a:fillRef idx="1">
+            <a:schemeClr val="accent1"/>
+          </a:fillRef>
+          <a:effectRef idx="0">
+            <a:schemeClr val="accent1"/>
+          </a:effectRef>
+          <a:fontRef idx="minor">
+            <a:schemeClr val="lt1"/>
+          </a:fontRef>
+        </p:style>
+        <p:txBody>
+          <a:bodyPr rtlCol="0" anchor="ctr"/>
+          <a:lstStyle/>
+          <a:p>
+            <a:pPr algn="ctr"/>
+            <a:endParaRPr lang="ko-KR" altLang="en-US"/>
+          </a:p>
+        </p:txBody>
+      </p:sp>
+      <p:sp>
+        <p:nvSpPr>
+          <p:cNvPr id="38" name="타원 37">
+            <a:extLst>
+              <a:ext uri="{FF2B5EF4-FFF2-40B4-BE49-F238E27FC236}">
+                <a16:creationId xmlns:a16="http://schemas.microsoft.com/office/drawing/2014/main" id="{6E273337-47F1-4358-A7DD-699DE30FBC9F}"/>
+              </a:ext>
+            </a:extLst>
+          </p:cNvPr>
+          <p:cNvSpPr/>
+          <p:nvPr/>
+        </p:nvSpPr>
+        <p:spPr>
+          <a:xfrm>
+            <a:off x="3193322" y="2556510"/>
+            <a:ext cx="275533" cy="296109"/>
+          </a:xfrm>
+          <a:prstGeom prst="ellipse">
+            <a:avLst/>
+          </a:prstGeom>
+          <a:solidFill>
+            <a:schemeClr val="tx1">
+              <a:lumMod val="95000"/>
+              <a:lumOff val="5000"/>
+            </a:schemeClr>
+          </a:solidFill>
+          <a:ln>
+            <a:solidFill>
+              <a:schemeClr val="accent1"/>
+            </a:solidFill>
+          </a:ln>
+        </p:spPr>
+        <p:style>
+          <a:lnRef idx="2">
+            <a:schemeClr val="accent1">
+              <a:shade val="50000"/>
+            </a:schemeClr>
+          </a:lnRef>
+          <a:fillRef idx="1">
+            <a:schemeClr val="accent1"/>
+          </a:fillRef>
+          <a:effectRef idx="0">
+            <a:schemeClr val="accent1"/>
+          </a:effectRef>
+          <a:fontRef idx="minor">
+            <a:schemeClr val="lt1"/>
+          </a:fontRef>
+        </p:style>
+        <p:txBody>
+          <a:bodyPr rtlCol="0" anchor="ctr"/>
+          <a:lstStyle/>
+          <a:p>
+            <a:pPr algn="ctr"/>
+            <a:endParaRPr lang="ko-KR" altLang="en-US"/>
+          </a:p>
+        </p:txBody>
+      </p:sp>
+      <p:sp>
+        <p:nvSpPr>
+          <p:cNvPr id="39" name="타원 38">
+            <a:extLst>
+              <a:ext uri="{FF2B5EF4-FFF2-40B4-BE49-F238E27FC236}">
+                <a16:creationId xmlns:a16="http://schemas.microsoft.com/office/drawing/2014/main" id="{56D8E0B2-A85C-45A2-9FD8-0ABE78912862}"/>
+              </a:ext>
+            </a:extLst>
+          </p:cNvPr>
+          <p:cNvSpPr/>
+          <p:nvPr/>
+        </p:nvSpPr>
+        <p:spPr>
+          <a:xfrm>
+            <a:off x="3497463" y="2565041"/>
+            <a:ext cx="275533" cy="296109"/>
+          </a:xfrm>
+          <a:prstGeom prst="ellipse">
+            <a:avLst/>
+          </a:prstGeom>
+          <a:solidFill>
+            <a:schemeClr val="bg1"/>
+          </a:solidFill>
+          <a:ln>
+            <a:solidFill>
+              <a:schemeClr val="accent1"/>
+            </a:solidFill>
+          </a:ln>
+        </p:spPr>
+        <p:style>
+          <a:lnRef idx="2">
+            <a:schemeClr val="accent1">
+              <a:shade val="50000"/>
+            </a:schemeClr>
+          </a:lnRef>
+          <a:fillRef idx="1">
+            <a:schemeClr val="accent1"/>
+          </a:fillRef>
+          <a:effectRef idx="0">
+            <a:schemeClr val="accent1"/>
+          </a:effectRef>
+          <a:fontRef idx="minor">
+            <a:schemeClr val="lt1"/>
+          </a:fontRef>
+        </p:style>
+        <p:txBody>
+          <a:bodyPr rtlCol="0" anchor="ctr"/>
+          <a:lstStyle/>
+          <a:p>
+            <a:pPr algn="ctr"/>
+            <a:endParaRPr lang="ko-KR" altLang="en-US"/>
+          </a:p>
+        </p:txBody>
+      </p:sp>
+      <p:sp>
+        <p:nvSpPr>
+          <p:cNvPr id="40" name="타원 39">
+            <a:extLst>
+              <a:ext uri="{FF2B5EF4-FFF2-40B4-BE49-F238E27FC236}">
+                <a16:creationId xmlns:a16="http://schemas.microsoft.com/office/drawing/2014/main" id="{B29F5AE8-D6BA-4F57-9125-C02034E78274}"/>
+              </a:ext>
+            </a:extLst>
+          </p:cNvPr>
+          <p:cNvSpPr/>
+          <p:nvPr/>
+        </p:nvSpPr>
+        <p:spPr>
+          <a:xfrm>
+            <a:off x="2608193" y="3138031"/>
+            <a:ext cx="275533" cy="296109"/>
+          </a:xfrm>
+          <a:prstGeom prst="ellipse">
+            <a:avLst/>
+          </a:prstGeom>
+          <a:noFill/>
+          <a:ln>
+            <a:solidFill>
+              <a:schemeClr val="tx1"/>
+            </a:solidFill>
+          </a:ln>
+        </p:spPr>
+        <p:style>
+          <a:lnRef idx="2">
+            <a:schemeClr val="accent1">
+              <a:shade val="50000"/>
+            </a:schemeClr>
+          </a:lnRef>
+          <a:fillRef idx="1">
+            <a:schemeClr val="accent1"/>
+          </a:fillRef>
+          <a:effectRef idx="0">
+            <a:schemeClr val="accent1"/>
+          </a:effectRef>
+          <a:fontRef idx="minor">
+            <a:schemeClr val="lt1"/>
+          </a:fontRef>
+        </p:style>
+        <p:txBody>
+          <a:bodyPr rtlCol="0" anchor="ctr"/>
+          <a:lstStyle/>
+          <a:p>
+            <a:pPr algn="ctr"/>
+            <a:endParaRPr lang="ko-KR" altLang="en-US"/>
+          </a:p>
+        </p:txBody>
+      </p:sp>
+      <p:sp>
+        <p:nvSpPr>
+          <p:cNvPr id="41" name="타원 40">
+            <a:extLst>
+              <a:ext uri="{FF2B5EF4-FFF2-40B4-BE49-F238E27FC236}">
+                <a16:creationId xmlns:a16="http://schemas.microsoft.com/office/drawing/2014/main" id="{9CA20784-AD34-41D8-9CC3-B67CCA7E204D}"/>
+              </a:ext>
+            </a:extLst>
+          </p:cNvPr>
+          <p:cNvSpPr/>
+          <p:nvPr/>
+        </p:nvSpPr>
+        <p:spPr>
+          <a:xfrm>
+            <a:off x="2342004" y="3138037"/>
+            <a:ext cx="275533" cy="296109"/>
+          </a:xfrm>
+          <a:prstGeom prst="ellipse">
+            <a:avLst/>
+          </a:prstGeom>
+          <a:solidFill>
+            <a:schemeClr val="tx1">
+              <a:lumMod val="95000"/>
+              <a:lumOff val="5000"/>
+            </a:schemeClr>
+          </a:solidFill>
+          <a:ln>
+            <a:solidFill>
+              <a:schemeClr val="accent1"/>
+            </a:solidFill>
+          </a:ln>
+        </p:spPr>
+        <p:style>
+          <a:lnRef idx="2">
+            <a:schemeClr val="accent1">
+              <a:shade val="50000"/>
+            </a:schemeClr>
+          </a:lnRef>
+          <a:fillRef idx="1">
+            <a:schemeClr val="accent1"/>
+          </a:fillRef>
+          <a:effectRef idx="0">
+            <a:schemeClr val="accent1"/>
+          </a:effectRef>
+          <a:fontRef idx="minor">
+            <a:schemeClr val="lt1"/>
+          </a:fontRef>
+        </p:style>
+        <p:txBody>
+          <a:bodyPr rtlCol="0" anchor="ctr"/>
+          <a:lstStyle/>
+          <a:p>
+            <a:pPr algn="ctr"/>
+            <a:endParaRPr lang="ko-KR" altLang="en-US"/>
+          </a:p>
+        </p:txBody>
+      </p:sp>
+      <p:sp>
+        <p:nvSpPr>
+          <p:cNvPr id="42" name="타원 41">
+            <a:extLst>
+              <a:ext uri="{FF2B5EF4-FFF2-40B4-BE49-F238E27FC236}">
+                <a16:creationId xmlns:a16="http://schemas.microsoft.com/office/drawing/2014/main" id="{A3F0BCF1-54DF-4CBA-9A5F-B60BD3028EF6}"/>
+              </a:ext>
+            </a:extLst>
+          </p:cNvPr>
+          <p:cNvSpPr/>
+          <p:nvPr/>
+        </p:nvSpPr>
+        <p:spPr>
+          <a:xfrm>
+            <a:off x="2903485" y="3146566"/>
+            <a:ext cx="275533" cy="296109"/>
+          </a:xfrm>
+          <a:prstGeom prst="ellipse">
+            <a:avLst/>
+          </a:prstGeom>
+          <a:solidFill>
+            <a:schemeClr val="tx1">
+              <a:lumMod val="95000"/>
+              <a:lumOff val="5000"/>
+            </a:schemeClr>
+          </a:solidFill>
+          <a:ln>
+            <a:solidFill>
+              <a:schemeClr val="accent1"/>
+            </a:solidFill>
+          </a:ln>
+        </p:spPr>
+        <p:style>
+          <a:lnRef idx="2">
+            <a:schemeClr val="accent1">
+              <a:shade val="50000"/>
+            </a:schemeClr>
+          </a:lnRef>
+          <a:fillRef idx="1">
+            <a:schemeClr val="accent1"/>
+          </a:fillRef>
+          <a:effectRef idx="0">
+            <a:schemeClr val="accent1"/>
+          </a:effectRef>
+          <a:fontRef idx="minor">
+            <a:schemeClr val="lt1"/>
+          </a:fontRef>
+        </p:style>
+        <p:txBody>
+          <a:bodyPr rtlCol="0" anchor="ctr"/>
+          <a:lstStyle/>
+          <a:p>
+            <a:pPr algn="ctr"/>
+            <a:endParaRPr lang="ko-KR" altLang="en-US"/>
+          </a:p>
+        </p:txBody>
+      </p:sp>
+      <p:sp>
+        <p:nvSpPr>
+          <p:cNvPr id="43" name="타원 42">
+            <a:extLst>
+              <a:ext uri="{FF2B5EF4-FFF2-40B4-BE49-F238E27FC236}">
+                <a16:creationId xmlns:a16="http://schemas.microsoft.com/office/drawing/2014/main" id="{58007755-A046-411B-9EDC-3B78629307DB}"/>
+              </a:ext>
+            </a:extLst>
+          </p:cNvPr>
+          <p:cNvSpPr/>
+          <p:nvPr/>
+        </p:nvSpPr>
+        <p:spPr>
+          <a:xfrm>
+            <a:off x="2060176" y="3146566"/>
+            <a:ext cx="275533" cy="296109"/>
+          </a:xfrm>
+          <a:prstGeom prst="ellipse">
+            <a:avLst/>
+          </a:prstGeom>
+          <a:solidFill>
+            <a:schemeClr val="tx1">
+              <a:lumMod val="95000"/>
+              <a:lumOff val="5000"/>
+            </a:schemeClr>
+          </a:solidFill>
+          <a:ln>
+            <a:solidFill>
+              <a:schemeClr val="accent1"/>
+            </a:solidFill>
+          </a:ln>
+        </p:spPr>
+        <p:style>
+          <a:lnRef idx="2">
+            <a:schemeClr val="accent1">
+              <a:shade val="50000"/>
+            </a:schemeClr>
+          </a:lnRef>
+          <a:fillRef idx="1">
+            <a:schemeClr val="accent1"/>
+          </a:fillRef>
+          <a:effectRef idx="0">
+            <a:schemeClr val="accent1"/>
+          </a:effectRef>
+          <a:fontRef idx="minor">
+            <a:schemeClr val="lt1"/>
+          </a:fontRef>
+        </p:style>
+        <p:txBody>
+          <a:bodyPr rtlCol="0" anchor="ctr"/>
+          <a:lstStyle/>
+          <a:p>
+            <a:pPr algn="ctr"/>
+            <a:endParaRPr lang="ko-KR" altLang="en-US"/>
+          </a:p>
+        </p:txBody>
+      </p:sp>
+      <p:sp>
+        <p:nvSpPr>
+          <p:cNvPr id="44" name="타원 43">
+            <a:extLst>
+              <a:ext uri="{FF2B5EF4-FFF2-40B4-BE49-F238E27FC236}">
+                <a16:creationId xmlns:a16="http://schemas.microsoft.com/office/drawing/2014/main" id="{AF4C8638-0086-4DD5-B040-BA1CD765261F}"/>
+              </a:ext>
+            </a:extLst>
+          </p:cNvPr>
+          <p:cNvSpPr/>
+          <p:nvPr/>
+        </p:nvSpPr>
+        <p:spPr>
+          <a:xfrm>
+            <a:off x="3193322" y="3138035"/>
+            <a:ext cx="275533" cy="296109"/>
+          </a:xfrm>
+          <a:prstGeom prst="ellipse">
+            <a:avLst/>
+          </a:prstGeom>
+          <a:solidFill>
+            <a:schemeClr val="tx1">
+              <a:lumMod val="95000"/>
+              <a:lumOff val="5000"/>
+            </a:schemeClr>
+          </a:solidFill>
+          <a:ln>
+            <a:solidFill>
+              <a:schemeClr val="accent1"/>
+            </a:solidFill>
+          </a:ln>
+        </p:spPr>
+        <p:style>
+          <a:lnRef idx="2">
+            <a:schemeClr val="accent1">
+              <a:shade val="50000"/>
+            </a:schemeClr>
+          </a:lnRef>
+          <a:fillRef idx="1">
+            <a:schemeClr val="accent1"/>
+          </a:fillRef>
+          <a:effectRef idx="0">
+            <a:schemeClr val="accent1"/>
+          </a:effectRef>
+          <a:fontRef idx="minor">
+            <a:schemeClr val="lt1"/>
+          </a:fontRef>
+        </p:style>
+        <p:txBody>
+          <a:bodyPr rtlCol="0" anchor="ctr"/>
+          <a:lstStyle/>
+          <a:p>
+            <a:pPr algn="ctr"/>
+            <a:endParaRPr lang="ko-KR" altLang="en-US"/>
+          </a:p>
+        </p:txBody>
+      </p:sp>
+      <p:sp>
+        <p:nvSpPr>
+          <p:cNvPr id="45" name="타원 44">
+            <a:extLst>
+              <a:ext uri="{FF2B5EF4-FFF2-40B4-BE49-F238E27FC236}">
+                <a16:creationId xmlns:a16="http://schemas.microsoft.com/office/drawing/2014/main" id="{C43D1FBF-E758-4DEB-BD96-6DF6FD377DEC}"/>
+              </a:ext>
+            </a:extLst>
+          </p:cNvPr>
+          <p:cNvSpPr/>
+          <p:nvPr/>
+        </p:nvSpPr>
+        <p:spPr>
+          <a:xfrm>
+            <a:off x="3497463" y="3146566"/>
+            <a:ext cx="275533" cy="296109"/>
+          </a:xfrm>
+          <a:prstGeom prst="ellipse">
+            <a:avLst/>
+          </a:prstGeom>
+          <a:solidFill>
+            <a:schemeClr val="bg1"/>
+          </a:solidFill>
+          <a:ln>
+            <a:solidFill>
+              <a:schemeClr val="accent1"/>
+            </a:solidFill>
+          </a:ln>
+        </p:spPr>
+        <p:style>
+          <a:lnRef idx="2">
+            <a:schemeClr val="accent1">
+              <a:shade val="50000"/>
+            </a:schemeClr>
+          </a:lnRef>
+          <a:fillRef idx="1">
+            <a:schemeClr val="accent1"/>
+          </a:fillRef>
+          <a:effectRef idx="0">
+            <a:schemeClr val="accent1"/>
+          </a:effectRef>
+          <a:fontRef idx="minor">
+            <a:schemeClr val="lt1"/>
+          </a:fontRef>
+        </p:style>
+        <p:txBody>
+          <a:bodyPr rtlCol="0" anchor="ctr"/>
+          <a:lstStyle/>
+          <a:p>
+            <a:pPr algn="ctr"/>
+            <a:endParaRPr lang="ko-KR" altLang="en-US"/>
+          </a:p>
+        </p:txBody>
+      </p:sp>
+    </p:spTree>
+    <p:extLst>
+      <p:ext uri="{BB962C8B-B14F-4D97-AF65-F5344CB8AC3E}">
+        <p14:creationId xmlns:p14="http://schemas.microsoft.com/office/powerpoint/2010/main" val="3759331671"/>
+      </p:ext>
+    </p:extLst>
+  </p:cSld>
+  <p:clrMapOvr>
+    <a:masterClrMapping/>
+  </p:clrMapOvr>
+</p:sld>
+</file>
+
+<file path=ppt/slides/slide5.xml><?xml version="1.0" encoding="utf-8"?>
+<p:sld xmlns:a="http://schemas.openxmlformats.org/drawingml/2006/main" xmlns:r="http://schemas.openxmlformats.org/officeDocument/2006/relationships" xmlns:p="http://schemas.openxmlformats.org/presentationml/2006/main">
+  <p:cSld>
+    <p:spTree>
+      <p:nvGrpSpPr>
+        <p:cNvPr id="1" name=""/>
+        <p:cNvGrpSpPr/>
+        <p:nvPr/>
+      </p:nvGrpSpPr>
+      <p:grpSpPr>
+        <a:xfrm>
+          <a:off x="0" y="0"/>
+          <a:ext cx="0" cy="0"/>
+          <a:chOff x="0" y="0"/>
+          <a:chExt cx="0" cy="0"/>
+        </a:xfrm>
+      </p:grpSpPr>
+    </p:spTree>
+    <p:extLst>
+      <p:ext uri="{BB962C8B-B14F-4D97-AF65-F5344CB8AC3E}">
+        <p14:creationId xmlns:p14="http://schemas.microsoft.com/office/powerpoint/2010/main" val="209540484"/>
       </p:ext>
     </p:extLst>
   </p:cSld>

--- a/평가함수 설정.pptx
+++ b/평가함수 설정.pptx
@@ -263,7 +263,7 @@
           <a:p>
             <a:fld id="{92F00D2A-9060-4029-9E8E-73524DBEAC72}" type="datetimeFigureOut">
               <a:rPr lang="ko-KR" altLang="en-US" smtClean="0"/>
-              <a:t>2019-05-28</a:t>
+              <a:t>2019-05-30</a:t>
             </a:fld>
             <a:endParaRPr lang="ko-KR" altLang="en-US"/>
           </a:p>
@@ -461,7 +461,7 @@
           <a:p>
             <a:fld id="{92F00D2A-9060-4029-9E8E-73524DBEAC72}" type="datetimeFigureOut">
               <a:rPr lang="ko-KR" altLang="en-US" smtClean="0"/>
-              <a:t>2019-05-28</a:t>
+              <a:t>2019-05-30</a:t>
             </a:fld>
             <a:endParaRPr lang="ko-KR" altLang="en-US"/>
           </a:p>
@@ -669,7 +669,7 @@
           <a:p>
             <a:fld id="{92F00D2A-9060-4029-9E8E-73524DBEAC72}" type="datetimeFigureOut">
               <a:rPr lang="ko-KR" altLang="en-US" smtClean="0"/>
-              <a:t>2019-05-28</a:t>
+              <a:t>2019-05-30</a:t>
             </a:fld>
             <a:endParaRPr lang="ko-KR" altLang="en-US"/>
           </a:p>
@@ -867,7 +867,7 @@
           <a:p>
             <a:fld id="{92F00D2A-9060-4029-9E8E-73524DBEAC72}" type="datetimeFigureOut">
               <a:rPr lang="ko-KR" altLang="en-US" smtClean="0"/>
-              <a:t>2019-05-28</a:t>
+              <a:t>2019-05-30</a:t>
             </a:fld>
             <a:endParaRPr lang="ko-KR" altLang="en-US"/>
           </a:p>
@@ -1142,7 +1142,7 @@
           <a:p>
             <a:fld id="{92F00D2A-9060-4029-9E8E-73524DBEAC72}" type="datetimeFigureOut">
               <a:rPr lang="ko-KR" altLang="en-US" smtClean="0"/>
-              <a:t>2019-05-28</a:t>
+              <a:t>2019-05-30</a:t>
             </a:fld>
             <a:endParaRPr lang="ko-KR" altLang="en-US"/>
           </a:p>
@@ -1407,7 +1407,7 @@
           <a:p>
             <a:fld id="{92F00D2A-9060-4029-9E8E-73524DBEAC72}" type="datetimeFigureOut">
               <a:rPr lang="ko-KR" altLang="en-US" smtClean="0"/>
-              <a:t>2019-05-28</a:t>
+              <a:t>2019-05-30</a:t>
             </a:fld>
             <a:endParaRPr lang="ko-KR" altLang="en-US"/>
           </a:p>
@@ -1819,7 +1819,7 @@
           <a:p>
             <a:fld id="{92F00D2A-9060-4029-9E8E-73524DBEAC72}" type="datetimeFigureOut">
               <a:rPr lang="ko-KR" altLang="en-US" smtClean="0"/>
-              <a:t>2019-05-28</a:t>
+              <a:t>2019-05-30</a:t>
             </a:fld>
             <a:endParaRPr lang="ko-KR" altLang="en-US"/>
           </a:p>
@@ -1960,7 +1960,7 @@
           <a:p>
             <a:fld id="{92F00D2A-9060-4029-9E8E-73524DBEAC72}" type="datetimeFigureOut">
               <a:rPr lang="ko-KR" altLang="en-US" smtClean="0"/>
-              <a:t>2019-05-28</a:t>
+              <a:t>2019-05-30</a:t>
             </a:fld>
             <a:endParaRPr lang="ko-KR" altLang="en-US"/>
           </a:p>
@@ -2073,7 +2073,7 @@
           <a:p>
             <a:fld id="{92F00D2A-9060-4029-9E8E-73524DBEAC72}" type="datetimeFigureOut">
               <a:rPr lang="ko-KR" altLang="en-US" smtClean="0"/>
-              <a:t>2019-05-28</a:t>
+              <a:t>2019-05-30</a:t>
             </a:fld>
             <a:endParaRPr lang="ko-KR" altLang="en-US"/>
           </a:p>
@@ -2384,7 +2384,7 @@
           <a:p>
             <a:fld id="{92F00D2A-9060-4029-9E8E-73524DBEAC72}" type="datetimeFigureOut">
               <a:rPr lang="ko-KR" altLang="en-US" smtClean="0"/>
-              <a:t>2019-05-28</a:t>
+              <a:t>2019-05-30</a:t>
             </a:fld>
             <a:endParaRPr lang="ko-KR" altLang="en-US"/>
           </a:p>
@@ -2672,7 +2672,7 @@
           <a:p>
             <a:fld id="{92F00D2A-9060-4029-9E8E-73524DBEAC72}" type="datetimeFigureOut">
               <a:rPr lang="ko-KR" altLang="en-US" smtClean="0"/>
-              <a:t>2019-05-28</a:t>
+              <a:t>2019-05-30</a:t>
             </a:fld>
             <a:endParaRPr lang="ko-KR" altLang="en-US"/>
           </a:p>
@@ -2913,7 +2913,7 @@
           <a:p>
             <a:fld id="{92F00D2A-9060-4029-9E8E-73524DBEAC72}" type="datetimeFigureOut">
               <a:rPr lang="ko-KR" altLang="en-US" smtClean="0"/>
-              <a:t>2019-05-28</a:t>
+              <a:t>2019-05-30</a:t>
             </a:fld>
             <a:endParaRPr lang="ko-KR" altLang="en-US"/>
           </a:p>
@@ -3418,6 +3418,107 @@
           </a:prstGeom>
         </p:spPr>
       </p:pic>
+      <p:pic>
+        <p:nvPicPr>
+          <p:cNvPr id="3" name="그림 2">
+            <a:extLst>
+              <a:ext uri="{FF2B5EF4-FFF2-40B4-BE49-F238E27FC236}">
+                <a16:creationId xmlns:a16="http://schemas.microsoft.com/office/drawing/2014/main" id="{E1222ABB-8B5D-48A8-94E3-53AAFF1773FF}"/>
+              </a:ext>
+            </a:extLst>
+          </p:cNvPr>
+          <p:cNvPicPr>
+            <a:picLocks noChangeAspect="1"/>
+          </p:cNvPicPr>
+          <p:nvPr/>
+        </p:nvPicPr>
+        <p:blipFill>
+          <a:blip r:embed="rId2"/>
+          <a:stretch>
+            <a:fillRect/>
+          </a:stretch>
+        </p:blipFill>
+        <p:spPr>
+          <a:xfrm>
+            <a:off x="6194140" y="1043245"/>
+            <a:ext cx="4464496" cy="4771510"/>
+          </a:xfrm>
+          <a:prstGeom prst="rect">
+            <a:avLst/>
+          </a:prstGeom>
+        </p:spPr>
+      </p:pic>
+      <p:sp>
+        <p:nvSpPr>
+          <p:cNvPr id="4" name="TextBox 3">
+            <a:extLst>
+              <a:ext uri="{FF2B5EF4-FFF2-40B4-BE49-F238E27FC236}">
+                <a16:creationId xmlns:a16="http://schemas.microsoft.com/office/drawing/2014/main" id="{3F9FD992-C474-46A0-BA3A-AC0677D6ABE4}"/>
+              </a:ext>
+            </a:extLst>
+          </p:cNvPr>
+          <p:cNvSpPr txBox="1"/>
+          <p:nvPr/>
+        </p:nvSpPr>
+        <p:spPr>
+          <a:xfrm>
+            <a:off x="6640497" y="507507"/>
+            <a:ext cx="2858610" cy="369332"/>
+          </a:xfrm>
+          <a:prstGeom prst="rect">
+            <a:avLst/>
+          </a:prstGeom>
+          <a:noFill/>
+        </p:spPr>
+        <p:txBody>
+          <a:bodyPr wrap="square" rtlCol="0">
+            <a:spAutoFit/>
+          </a:bodyPr>
+          <a:lstStyle/>
+          <a:p>
+            <a:r>
+              <a:rPr lang="en-US" altLang="ko-KR" dirty="0"/>
+              <a:t>AI</a:t>
+            </a:r>
+            <a:endParaRPr lang="ko-KR" altLang="en-US" dirty="0"/>
+          </a:p>
+        </p:txBody>
+      </p:sp>
+      <p:sp>
+        <p:nvSpPr>
+          <p:cNvPr id="5" name="TextBox 4">
+            <a:extLst>
+              <a:ext uri="{FF2B5EF4-FFF2-40B4-BE49-F238E27FC236}">
+                <a16:creationId xmlns:a16="http://schemas.microsoft.com/office/drawing/2014/main" id="{E5360A79-574A-463F-B913-E4AAB2D0EF9C}"/>
+              </a:ext>
+            </a:extLst>
+          </p:cNvPr>
+          <p:cNvSpPr txBox="1"/>
+          <p:nvPr/>
+        </p:nvSpPr>
+        <p:spPr>
+          <a:xfrm>
+            <a:off x="1705992" y="507507"/>
+            <a:ext cx="2858610" cy="369332"/>
+          </a:xfrm>
+          <a:prstGeom prst="rect">
+            <a:avLst/>
+          </a:prstGeom>
+          <a:noFill/>
+        </p:spPr>
+        <p:txBody>
+          <a:bodyPr wrap="square" rtlCol="0">
+            <a:spAutoFit/>
+          </a:bodyPr>
+          <a:lstStyle/>
+          <a:p>
+            <a:r>
+              <a:rPr lang="ko-KR" altLang="en-US"/>
+              <a:t>플레이어</a:t>
+            </a:r>
+          </a:p>
+        </p:txBody>
+      </p:sp>
     </p:spTree>
     <p:extLst>
       <p:ext uri="{BB962C8B-B14F-4D97-AF65-F5344CB8AC3E}">
